--- a/Présentation1.pptx
+++ b/Présentation1.pptx
@@ -6,19 +6,22 @@
   </p:sldMasterIdLst>
   <p:sldIdLst>
     <p:sldId id="256" r:id="rId2"/>
-    <p:sldId id="257" r:id="rId3"/>
-    <p:sldId id="258" r:id="rId4"/>
-    <p:sldId id="259" r:id="rId5"/>
-    <p:sldId id="260" r:id="rId6"/>
-    <p:sldId id="264" r:id="rId7"/>
-    <p:sldId id="261" r:id="rId8"/>
-    <p:sldId id="262" r:id="rId9"/>
-    <p:sldId id="263" r:id="rId10"/>
-    <p:sldId id="269" r:id="rId11"/>
-    <p:sldId id="265" r:id="rId12"/>
-    <p:sldId id="266" r:id="rId13"/>
-    <p:sldId id="267" r:id="rId14"/>
-    <p:sldId id="268" r:id="rId15"/>
+    <p:sldId id="270" r:id="rId3"/>
+    <p:sldId id="257" r:id="rId4"/>
+    <p:sldId id="271" r:id="rId5"/>
+    <p:sldId id="258" r:id="rId6"/>
+    <p:sldId id="259" r:id="rId7"/>
+    <p:sldId id="260" r:id="rId8"/>
+    <p:sldId id="264" r:id="rId9"/>
+    <p:sldId id="269" r:id="rId10"/>
+    <p:sldId id="265" r:id="rId11"/>
+    <p:sldId id="266" r:id="rId12"/>
+    <p:sldId id="267" r:id="rId13"/>
+    <p:sldId id="268" r:id="rId14"/>
+    <p:sldId id="261" r:id="rId15"/>
+    <p:sldId id="262" r:id="rId16"/>
+    <p:sldId id="272" r:id="rId17"/>
+    <p:sldId id="273" r:id="rId18"/>
   </p:sldIdLst>
   <p:sldSz cx="12192000" cy="6858000"/>
   <p:notesSz cx="6858000" cy="9144000"/>
@@ -117,6 +120,11 @@
       </a:defRPr>
     </a:lvl9pPr>
   </p:defaultTextStyle>
+  <p:extLst>
+    <p:ext uri="{EFAFB233-063F-42B5-8137-9DF3F51BA10A}">
+      <p15:sldGuideLst xmlns:p15="http://schemas.microsoft.com/office/powerpoint/2012/main"/>
+    </p:ext>
+  </p:extLst>
 </p:presentation>
 </file>
 
@@ -267,7 +275,7 @@
           <a:p>
             <a:fld id="{C324BF44-BF21-4FEA-B80B-F5ED07A587D2}" type="datetimeFigureOut">
               <a:rPr lang="fr-FR" smtClean="0"/>
-              <a:t>05/01/2026</a:t>
+              <a:t>06/01/2026</a:t>
             </a:fld>
             <a:endParaRPr lang="fr-FR"/>
           </a:p>
@@ -465,7 +473,7 @@
           <a:p>
             <a:fld id="{C324BF44-BF21-4FEA-B80B-F5ED07A587D2}" type="datetimeFigureOut">
               <a:rPr lang="fr-FR" smtClean="0"/>
-              <a:t>05/01/2026</a:t>
+              <a:t>06/01/2026</a:t>
             </a:fld>
             <a:endParaRPr lang="fr-FR"/>
           </a:p>
@@ -673,7 +681,7 @@
           <a:p>
             <a:fld id="{C324BF44-BF21-4FEA-B80B-F5ED07A587D2}" type="datetimeFigureOut">
               <a:rPr lang="fr-FR" smtClean="0"/>
-              <a:t>05/01/2026</a:t>
+              <a:t>06/01/2026</a:t>
             </a:fld>
             <a:endParaRPr lang="fr-FR"/>
           </a:p>
@@ -871,7 +879,7 @@
           <a:p>
             <a:fld id="{C324BF44-BF21-4FEA-B80B-F5ED07A587D2}" type="datetimeFigureOut">
               <a:rPr lang="fr-FR" smtClean="0"/>
-              <a:t>05/01/2026</a:t>
+              <a:t>06/01/2026</a:t>
             </a:fld>
             <a:endParaRPr lang="fr-FR"/>
           </a:p>
@@ -1146,7 +1154,7 @@
           <a:p>
             <a:fld id="{C324BF44-BF21-4FEA-B80B-F5ED07A587D2}" type="datetimeFigureOut">
               <a:rPr lang="fr-FR" smtClean="0"/>
-              <a:t>05/01/2026</a:t>
+              <a:t>06/01/2026</a:t>
             </a:fld>
             <a:endParaRPr lang="fr-FR"/>
           </a:p>
@@ -1411,7 +1419,7 @@
           <a:p>
             <a:fld id="{C324BF44-BF21-4FEA-B80B-F5ED07A587D2}" type="datetimeFigureOut">
               <a:rPr lang="fr-FR" smtClean="0"/>
-              <a:t>05/01/2026</a:t>
+              <a:t>06/01/2026</a:t>
             </a:fld>
             <a:endParaRPr lang="fr-FR"/>
           </a:p>
@@ -1823,7 +1831,7 @@
           <a:p>
             <a:fld id="{C324BF44-BF21-4FEA-B80B-F5ED07A587D2}" type="datetimeFigureOut">
               <a:rPr lang="fr-FR" smtClean="0"/>
-              <a:t>05/01/2026</a:t>
+              <a:t>06/01/2026</a:t>
             </a:fld>
             <a:endParaRPr lang="fr-FR"/>
           </a:p>
@@ -1964,7 +1972,7 @@
           <a:p>
             <a:fld id="{C324BF44-BF21-4FEA-B80B-F5ED07A587D2}" type="datetimeFigureOut">
               <a:rPr lang="fr-FR" smtClean="0"/>
-              <a:t>05/01/2026</a:t>
+              <a:t>06/01/2026</a:t>
             </a:fld>
             <a:endParaRPr lang="fr-FR"/>
           </a:p>
@@ -2077,7 +2085,7 @@
           <a:p>
             <a:fld id="{C324BF44-BF21-4FEA-B80B-F5ED07A587D2}" type="datetimeFigureOut">
               <a:rPr lang="fr-FR" smtClean="0"/>
-              <a:t>05/01/2026</a:t>
+              <a:t>06/01/2026</a:t>
             </a:fld>
             <a:endParaRPr lang="fr-FR"/>
           </a:p>
@@ -2388,7 +2396,7 @@
           <a:p>
             <a:fld id="{C324BF44-BF21-4FEA-B80B-F5ED07A587D2}" type="datetimeFigureOut">
               <a:rPr lang="fr-FR" smtClean="0"/>
-              <a:t>05/01/2026</a:t>
+              <a:t>06/01/2026</a:t>
             </a:fld>
             <a:endParaRPr lang="fr-FR"/>
           </a:p>
@@ -2676,7 +2684,7 @@
           <a:p>
             <a:fld id="{C324BF44-BF21-4FEA-B80B-F5ED07A587D2}" type="datetimeFigureOut">
               <a:rPr lang="fr-FR" smtClean="0"/>
-              <a:t>05/01/2026</a:t>
+              <a:t>06/01/2026</a:t>
             </a:fld>
             <a:endParaRPr lang="fr-FR"/>
           </a:p>
@@ -2917,7 +2925,7 @@
           <a:p>
             <a:fld id="{C324BF44-BF21-4FEA-B80B-F5ED07A587D2}" type="datetimeFigureOut">
               <a:rPr lang="fr-FR" smtClean="0"/>
-              <a:t>05/01/2026</a:t>
+              <a:t>06/01/2026</a:t>
             </a:fld>
             <a:endParaRPr lang="fr-FR"/>
           </a:p>
@@ -3701,7 +3709,7 @@
           <p:cNvPr id="2" name="Titre 1">
             <a:extLst>
               <a:ext uri="{FF2B5EF4-FFF2-40B4-BE49-F238E27FC236}">
-                <a16:creationId xmlns:a16="http://schemas.microsoft.com/office/drawing/2014/main" id="{890A1E25-F679-EA10-4A59-AC4C79BA5C70}"/>
+                <a16:creationId xmlns:a16="http://schemas.microsoft.com/office/drawing/2014/main" id="{52C334E3-B3B3-751E-3D0A-5019D7E57435}"/>
               </a:ext>
             </a:extLst>
           </p:cNvPr>
@@ -3721,37 +3729,12 @@
           </a:p>
         </p:txBody>
       </p:sp>
-      <p:sp>
-        <p:nvSpPr>
-          <p:cNvPr id="3" name="Espace réservé du contenu 2">
-            <a:extLst>
-              <a:ext uri="{FF2B5EF4-FFF2-40B4-BE49-F238E27FC236}">
-                <a16:creationId xmlns:a16="http://schemas.microsoft.com/office/drawing/2014/main" id="{0A292707-4E0B-8131-A3D3-278B675AB391}"/>
-              </a:ext>
-            </a:extLst>
-          </p:cNvPr>
-          <p:cNvSpPr>
-            <a:spLocks noGrp="1"/>
-          </p:cNvSpPr>
-          <p:nvPr>
-            <p:ph idx="1"/>
-          </p:nvPr>
-        </p:nvSpPr>
-        <p:spPr/>
-        <p:txBody>
-          <a:bodyPr/>
-          <a:lstStyle/>
-          <a:p>
-            <a:endParaRPr lang="fr-FR"/>
-          </a:p>
-        </p:txBody>
-      </p:sp>
       <p:pic>
         <p:nvPicPr>
-          <p:cNvPr id="5" name="Image 4" descr="Une image contenant texte, capture d’écran, logiciel, Page web&#10;&#10;Le contenu généré par l’IA peut être incorrect.">
-            <a:extLst>
-              <a:ext uri="{FF2B5EF4-FFF2-40B4-BE49-F238E27FC236}">
-                <a16:creationId xmlns:a16="http://schemas.microsoft.com/office/drawing/2014/main" id="{AB4922A7-BD66-CEDA-3EDC-4B64D57102E7}"/>
+          <p:cNvPr id="5" name="Image 4" descr="Une image contenant texte, capture d’écran, logiciel, diagramme&#10;&#10;Le contenu généré par l’IA peut être incorrect.">
+            <a:extLst>
+              <a:ext uri="{FF2B5EF4-FFF2-40B4-BE49-F238E27FC236}">
+                <a16:creationId xmlns:a16="http://schemas.microsoft.com/office/drawing/2014/main" id="{6A9DA76E-1780-49C6-CF3F-D21C9B74DB6F}"/>
               </a:ext>
             </a:extLst>
           </p:cNvPr>
@@ -3779,102 +3762,29 @@
     </p:spTree>
     <p:extLst>
       <p:ext uri="{BB962C8B-B14F-4D97-AF65-F5344CB8AC3E}">
-        <p14:creationId xmlns:p14="http://schemas.microsoft.com/office/powerpoint/2010/main" val="2651973567"/>
+        <p14:creationId xmlns:p14="http://schemas.microsoft.com/office/powerpoint/2010/main" val="3097513788"/>
       </p:ext>
     </p:extLst>
   </p:cSld>
   <p:clrMapOvr>
     <a:masterClrMapping/>
   </p:clrMapOvr>
+  <mc:AlternateContent xmlns:mc="http://schemas.openxmlformats.org/markup-compatibility/2006">
+    <mc:Choice xmlns:p159="http://schemas.microsoft.com/office/powerpoint/2015/09/main" Requires="p159">
+      <p:transition xmlns:p14="http://schemas.microsoft.com/office/powerpoint/2010/main" spd="slow" p14:dur="2000">
+        <p159:morph option="byObject"/>
+      </p:transition>
+    </mc:Choice>
+    <mc:Fallback>
+      <p:transition spd="slow">
+        <p:fade/>
+      </p:transition>
+    </mc:Fallback>
+  </mc:AlternateContent>
 </p:sld>
 </file>
 
 <file path=ppt/slides/slide11.xml><?xml version="1.0" encoding="utf-8"?>
-<p:sld xmlns:a="http://schemas.openxmlformats.org/drawingml/2006/main" xmlns:r="http://schemas.openxmlformats.org/officeDocument/2006/relationships" xmlns:p="http://schemas.openxmlformats.org/presentationml/2006/main">
-  <p:cSld>
-    <p:spTree>
-      <p:nvGrpSpPr>
-        <p:cNvPr id="1" name=""/>
-        <p:cNvGrpSpPr/>
-        <p:nvPr/>
-      </p:nvGrpSpPr>
-      <p:grpSpPr>
-        <a:xfrm>
-          <a:off x="0" y="0"/>
-          <a:ext cx="0" cy="0"/>
-          <a:chOff x="0" y="0"/>
-          <a:chExt cx="0" cy="0"/>
-        </a:xfrm>
-      </p:grpSpPr>
-      <p:sp>
-        <p:nvSpPr>
-          <p:cNvPr id="2" name="Titre 1">
-            <a:extLst>
-              <a:ext uri="{FF2B5EF4-FFF2-40B4-BE49-F238E27FC236}">
-                <a16:creationId xmlns:a16="http://schemas.microsoft.com/office/drawing/2014/main" id="{52C334E3-B3B3-751E-3D0A-5019D7E57435}"/>
-              </a:ext>
-            </a:extLst>
-          </p:cNvPr>
-          <p:cNvSpPr>
-            <a:spLocks noGrp="1"/>
-          </p:cNvSpPr>
-          <p:nvPr>
-            <p:ph type="title"/>
-          </p:nvPr>
-        </p:nvSpPr>
-        <p:spPr/>
-        <p:txBody>
-          <a:bodyPr/>
-          <a:lstStyle/>
-          <a:p>
-            <a:endParaRPr lang="fr-FR"/>
-          </a:p>
-        </p:txBody>
-      </p:sp>
-      <p:pic>
-        <p:nvPicPr>
-          <p:cNvPr id="5" name="Image 4" descr="Une image contenant texte, capture d’écran, logiciel, diagramme&#10;&#10;Le contenu généré par l’IA peut être incorrect.">
-            <a:extLst>
-              <a:ext uri="{FF2B5EF4-FFF2-40B4-BE49-F238E27FC236}">
-                <a16:creationId xmlns:a16="http://schemas.microsoft.com/office/drawing/2014/main" id="{6A9DA76E-1780-49C6-CF3F-D21C9B74DB6F}"/>
-              </a:ext>
-            </a:extLst>
-          </p:cNvPr>
-          <p:cNvPicPr>
-            <a:picLocks noChangeAspect="1"/>
-          </p:cNvPicPr>
-          <p:nvPr/>
-        </p:nvPicPr>
-        <p:blipFill>
-          <a:blip r:embed="rId2"/>
-          <a:stretch>
-            <a:fillRect/>
-          </a:stretch>
-        </p:blipFill>
-        <p:spPr>
-          <a:xfrm>
-            <a:off x="0" y="0"/>
-            <a:ext cx="12192000" cy="6858000"/>
-          </a:xfrm>
-          <a:prstGeom prst="rect">
-            <a:avLst/>
-          </a:prstGeom>
-        </p:spPr>
-      </p:pic>
-    </p:spTree>
-    <p:extLst>
-      <p:ext uri="{BB962C8B-B14F-4D97-AF65-F5344CB8AC3E}">
-        <p14:creationId xmlns:p14="http://schemas.microsoft.com/office/powerpoint/2010/main" val="3851787083"/>
-      </p:ext>
-    </p:extLst>
-  </p:cSld>
-  <p:clrMapOvr>
-    <a:masterClrMapping/>
-  </p:clrMapOvr>
-</p:sld>
-</file>
-
-<file path=ppt/slides/slide12.xml><?xml version="1.0" encoding="utf-8"?>
 <p:sld xmlns:a="http://schemas.openxmlformats.org/drawingml/2006/main" xmlns:r="http://schemas.openxmlformats.org/officeDocument/2006/relationships" xmlns:p="http://schemas.openxmlformats.org/presentationml/2006/main">
   <p:cSld>
     <p:spTree>
@@ -3955,17 +3865,29 @@
     </p:spTree>
     <p:extLst>
       <p:ext uri="{BB962C8B-B14F-4D97-AF65-F5344CB8AC3E}">
-        <p14:creationId xmlns:p14="http://schemas.microsoft.com/office/powerpoint/2010/main" val="3886597438"/>
+        <p14:creationId xmlns:p14="http://schemas.microsoft.com/office/powerpoint/2010/main" val="1476532344"/>
       </p:ext>
     </p:extLst>
   </p:cSld>
   <p:clrMapOvr>
     <a:masterClrMapping/>
   </p:clrMapOvr>
+  <mc:AlternateContent xmlns:mc="http://schemas.openxmlformats.org/markup-compatibility/2006">
+    <mc:Choice xmlns:p159="http://schemas.microsoft.com/office/powerpoint/2015/09/main" Requires="p159">
+      <p:transition xmlns:p14="http://schemas.microsoft.com/office/powerpoint/2010/main" spd="slow" p14:dur="2000">
+        <p159:morph option="byObject"/>
+      </p:transition>
+    </mc:Choice>
+    <mc:Fallback>
+      <p:transition spd="slow">
+        <p:fade/>
+      </p:transition>
+    </mc:Fallback>
+  </mc:AlternateContent>
 </p:sld>
 </file>
 
-<file path=ppt/slides/slide13.xml><?xml version="1.0" encoding="utf-8"?>
+<file path=ppt/slides/slide12.xml><?xml version="1.0" encoding="utf-8"?>
 <p:sld xmlns:a="http://schemas.openxmlformats.org/drawingml/2006/main" xmlns:r="http://schemas.openxmlformats.org/officeDocument/2006/relationships" xmlns:p="http://schemas.openxmlformats.org/presentationml/2006/main">
   <p:cSld>
     <p:spTree>
@@ -4046,17 +3968,29 @@
     </p:spTree>
     <p:extLst>
       <p:ext uri="{BB962C8B-B14F-4D97-AF65-F5344CB8AC3E}">
-        <p14:creationId xmlns:p14="http://schemas.microsoft.com/office/powerpoint/2010/main" val="1215827812"/>
+        <p14:creationId xmlns:p14="http://schemas.microsoft.com/office/powerpoint/2010/main" val="3019563631"/>
       </p:ext>
     </p:extLst>
   </p:cSld>
   <p:clrMapOvr>
     <a:masterClrMapping/>
   </p:clrMapOvr>
+  <mc:AlternateContent xmlns:mc="http://schemas.openxmlformats.org/markup-compatibility/2006">
+    <mc:Choice xmlns:p159="http://schemas.microsoft.com/office/powerpoint/2015/09/main" Requires="p159">
+      <p:transition xmlns:p14="http://schemas.microsoft.com/office/powerpoint/2010/main" spd="slow" p14:dur="2000">
+        <p159:morph option="byObject"/>
+      </p:transition>
+    </mc:Choice>
+    <mc:Fallback>
+      <p:transition spd="slow">
+        <p:fade/>
+      </p:transition>
+    </mc:Fallback>
+  </mc:AlternateContent>
 </p:sld>
 </file>
 
-<file path=ppt/slides/slide14.xml><?xml version="1.0" encoding="utf-8"?>
+<file path=ppt/slides/slide13.xml><?xml version="1.0" encoding="utf-8"?>
 <p:sld xmlns:a="http://schemas.openxmlformats.org/drawingml/2006/main" xmlns:r="http://schemas.openxmlformats.org/officeDocument/2006/relationships" xmlns:p="http://schemas.openxmlformats.org/presentationml/2006/main">
   <p:cSld>
     <p:spTree>
@@ -4137,17 +4071,29 @@
     </p:spTree>
     <p:extLst>
       <p:ext uri="{BB962C8B-B14F-4D97-AF65-F5344CB8AC3E}">
-        <p14:creationId xmlns:p14="http://schemas.microsoft.com/office/powerpoint/2010/main" val="904281909"/>
+        <p14:creationId xmlns:p14="http://schemas.microsoft.com/office/powerpoint/2010/main" val="1993211171"/>
       </p:ext>
     </p:extLst>
   </p:cSld>
   <p:clrMapOvr>
     <a:masterClrMapping/>
   </p:clrMapOvr>
+  <mc:AlternateContent xmlns:mc="http://schemas.openxmlformats.org/markup-compatibility/2006">
+    <mc:Choice xmlns:p159="http://schemas.microsoft.com/office/powerpoint/2015/09/main" Requires="p159">
+      <p:transition xmlns:p14="http://schemas.microsoft.com/office/powerpoint/2010/main" spd="slow" p14:dur="2000">
+        <p159:morph option="byObject"/>
+      </p:transition>
+    </mc:Choice>
+    <mc:Fallback>
+      <p:transition spd="slow">
+        <p:fade/>
+      </p:transition>
+    </mc:Fallback>
+  </mc:AlternateContent>
 </p:sld>
 </file>
 
-<file path=ppt/slides/slide2.xml><?xml version="1.0" encoding="utf-8"?>
+<file path=ppt/slides/slide14.xml><?xml version="1.0" encoding="utf-8"?>
 <p:sld xmlns:a="http://schemas.openxmlformats.org/drawingml/2006/main" xmlns:r="http://schemas.openxmlformats.org/officeDocument/2006/relationships" xmlns:p="http://schemas.openxmlformats.org/presentationml/2006/main">
   <p:cSld>
     <p:spTree>
@@ -4155,7 +4101,7 @@
         <p:cNvPr id="1" name="">
           <a:extLst>
             <a:ext uri="{FF2B5EF4-FFF2-40B4-BE49-F238E27FC236}">
-              <a16:creationId xmlns:a16="http://schemas.microsoft.com/office/drawing/2014/main" id="{C1BA1926-4A1E-BF59-743E-9270DAD29E71}"/>
+              <a16:creationId xmlns:a16="http://schemas.microsoft.com/office/drawing/2014/main" id="{28F1ACDF-6F78-94CB-F05D-CA47AEB847D8}"/>
             </a:ext>
           </a:extLst>
         </p:cNvPr>
@@ -4175,7 +4121,7 @@
           <p:cNvPr id="13" name="Rectangle 12">
             <a:extLst>
               <a:ext uri="{FF2B5EF4-FFF2-40B4-BE49-F238E27FC236}">
-                <a16:creationId xmlns:a16="http://schemas.microsoft.com/office/drawing/2014/main" id="{D27E6DD6-DCCB-43BF-B439-FDD98740BA67}"/>
+                <a16:creationId xmlns:a16="http://schemas.microsoft.com/office/drawing/2014/main" id="{1EF7E603-442F-6320-B20C-DD849A942E65}"/>
               </a:ext>
             </a:extLst>
           </p:cNvPr>
@@ -4224,7 +4170,7 @@
           <p:cNvPr id="17" name="ZoneTexte 16">
             <a:extLst>
               <a:ext uri="{FF2B5EF4-FFF2-40B4-BE49-F238E27FC236}">
-                <a16:creationId xmlns:a16="http://schemas.microsoft.com/office/drawing/2014/main" id="{9326462D-7996-CA98-EC75-9750F1896F03}"/>
+                <a16:creationId xmlns:a16="http://schemas.microsoft.com/office/drawing/2014/main" id="{A205289E-8463-6DDE-CDB4-27726108EB8C}"/>
               </a:ext>
             </a:extLst>
           </p:cNvPr>
@@ -4271,7 +4217,7 @@
           <p:cNvPr id="18" name="ZoneTexte 17">
             <a:extLst>
               <a:ext uri="{FF2B5EF4-FFF2-40B4-BE49-F238E27FC236}">
-                <a16:creationId xmlns:a16="http://schemas.microsoft.com/office/drawing/2014/main" id="{50325B00-2C62-174E-C9FF-27750799956B}"/>
+                <a16:creationId xmlns:a16="http://schemas.microsoft.com/office/drawing/2014/main" id="{BD2C98D2-05B9-85CD-B649-8AB4C7537C86}"/>
               </a:ext>
             </a:extLst>
           </p:cNvPr>
@@ -4307,7 +4253,7 @@
           <p:cNvPr id="19" name="ZoneTexte 18">
             <a:extLst>
               <a:ext uri="{FF2B5EF4-FFF2-40B4-BE49-F238E27FC236}">
-                <a16:creationId xmlns:a16="http://schemas.microsoft.com/office/drawing/2014/main" id="{AD0BC0ED-BF0C-3751-7A13-23DF458F5A30}"/>
+                <a16:creationId xmlns:a16="http://schemas.microsoft.com/office/drawing/2014/main" id="{01D170A3-0363-BF35-1400-7101EAE749FB}"/>
               </a:ext>
             </a:extLst>
           </p:cNvPr>
@@ -4316,7 +4262,7 @@
         </p:nvSpPr>
         <p:spPr>
           <a:xfrm>
-            <a:off x="555774" y="607755"/>
+            <a:off x="8964278" y="657284"/>
             <a:ext cx="3064212" cy="584775"/>
           </a:xfrm>
           <a:prstGeom prst="rect">
@@ -4357,7 +4303,7 @@
           <p:cNvPr id="20" name="ZoneTexte 19">
             <a:extLst>
               <a:ext uri="{FF2B5EF4-FFF2-40B4-BE49-F238E27FC236}">
-                <a16:creationId xmlns:a16="http://schemas.microsoft.com/office/drawing/2014/main" id="{5B8C5E3A-7B98-CB82-AE90-33F9BB4ACB28}"/>
+                <a16:creationId xmlns:a16="http://schemas.microsoft.com/office/drawing/2014/main" id="{8F168E5A-EAD9-1076-34D5-52AF783F74B1}"/>
               </a:ext>
             </a:extLst>
           </p:cNvPr>
@@ -4405,7 +4351,7 @@
           <p:cNvPr id="2" name="Triangle rectangle 1">
             <a:extLst>
               <a:ext uri="{FF2B5EF4-FFF2-40B4-BE49-F238E27FC236}">
-                <a16:creationId xmlns:a16="http://schemas.microsoft.com/office/drawing/2014/main" id="{B3A92129-2564-F0D6-FCBC-4ED4361697C6}"/>
+                <a16:creationId xmlns:a16="http://schemas.microsoft.com/office/drawing/2014/main" id="{58EF0F85-1564-C6F6-36EC-88E2FC05F3AF}"/>
               </a:ext>
             </a:extLst>
           </p:cNvPr>
@@ -4459,7 +4405,7 @@
           <p:cNvPr id="3" name="ZoneTexte 2">
             <a:extLst>
               <a:ext uri="{FF2B5EF4-FFF2-40B4-BE49-F238E27FC236}">
-                <a16:creationId xmlns:a16="http://schemas.microsoft.com/office/drawing/2014/main" id="{94B3B4BE-B1B1-8A99-DF46-3CA680796DD2}"/>
+                <a16:creationId xmlns:a16="http://schemas.microsoft.com/office/drawing/2014/main" id="{66D2E1CB-E6F6-1F2B-F6C3-063D4B986D17}"/>
               </a:ext>
             </a:extLst>
           </p:cNvPr>
@@ -4468,8 +4414,8 @@
         </p:nvSpPr>
         <p:spPr>
           <a:xfrm>
-            <a:off x="1173480" y="1767840"/>
-            <a:ext cx="6675120" cy="646331"/>
+            <a:off x="1212574" y="2305615"/>
+            <a:ext cx="5691146" cy="2246769"/>
           </a:xfrm>
           <a:prstGeom prst="rect">
             <a:avLst/>
@@ -4482,33 +4428,115 @@
           </a:bodyPr>
           <a:lstStyle/>
           <a:p>
+            <a:pPr marL="285750" indent="-285750" algn="just">
+              <a:buFont typeface="Arial" panose="020B0604020202020204" pitchFamily="34" charset="0"/>
+              <a:buChar char="•"/>
+            </a:pPr>
+            <a:r>
+              <a:rPr lang="en-US" sz="2800" dirty="0" err="1"/>
+              <a:t>Ajouter</a:t>
+            </a:r>
+            <a:r>
+              <a:rPr lang="en-US" sz="2800" dirty="0"/>
+              <a:t> Modifier </a:t>
+            </a:r>
+            <a:r>
+              <a:rPr lang="en-US" sz="2800" dirty="0" err="1"/>
+              <a:t>ou</a:t>
+            </a:r>
+            <a:r>
+              <a:rPr lang="en-US" sz="2800" dirty="0"/>
+              <a:t> </a:t>
+            </a:r>
+            <a:r>
+              <a:rPr lang="en-US" sz="2800" dirty="0" err="1"/>
+              <a:t>supprimer</a:t>
+            </a:r>
+            <a:r>
+              <a:rPr lang="en-US" sz="2800" dirty="0"/>
+              <a:t> </a:t>
+            </a:r>
+            <a:r>
+              <a:rPr lang="en-US" sz="2800" dirty="0" err="1"/>
+              <a:t>directement</a:t>
+            </a:r>
+            <a:r>
+              <a:rPr lang="en-US" sz="2800" dirty="0"/>
+              <a:t>   </a:t>
+            </a:r>
+            <a:r>
+              <a:rPr lang="en-US" sz="2800" dirty="0" err="1"/>
+              <a:t>d’une</a:t>
+            </a:r>
+            <a:r>
+              <a:rPr lang="en-US" sz="2800" dirty="0"/>
+              <a:t> base de </a:t>
+            </a:r>
+            <a:r>
+              <a:rPr lang="en-US" sz="2800" dirty="0" err="1"/>
+              <a:t>donne</a:t>
+            </a:r>
+            <a:r>
+              <a:rPr lang="en-US" sz="2800" dirty="0"/>
+              <a:t> .</a:t>
+            </a:r>
+          </a:p>
+          <a:p>
+            <a:pPr marL="285750" indent="-285750" algn="just">
+              <a:buFont typeface="Arial" panose="020B0604020202020204" pitchFamily="34" charset="0"/>
+              <a:buChar char="•"/>
+            </a:pPr>
+            <a:r>
+              <a:rPr lang="en-US" sz="2800" dirty="0" err="1"/>
+              <a:t>Avoir</a:t>
+            </a:r>
+            <a:r>
+              <a:rPr lang="en-US" sz="2800" dirty="0"/>
+              <a:t> des </a:t>
+            </a:r>
+            <a:r>
+              <a:rPr lang="en-US" sz="2800" dirty="0" err="1"/>
+              <a:t>donne</a:t>
+            </a:r>
+            <a:r>
+              <a:rPr lang="en-US" sz="2800" dirty="0"/>
+              <a:t> </a:t>
+            </a:r>
+            <a:r>
+              <a:rPr lang="en-US" sz="2800" dirty="0" err="1"/>
+              <a:t>liees</a:t>
+            </a:r>
+            <a:r>
+              <a:rPr lang="en-US" sz="2800" dirty="0"/>
+              <a:t> entre </a:t>
+            </a:r>
+            <a:r>
+              <a:rPr lang="en-US" sz="2800" dirty="0" err="1"/>
+              <a:t>eux</a:t>
+            </a:r>
+            <a:r>
+              <a:rPr lang="en-US" sz="2800" dirty="0"/>
+              <a:t> pour un </a:t>
+            </a:r>
+            <a:r>
+              <a:rPr lang="en-US" sz="2800" dirty="0" err="1"/>
+              <a:t>mieux</a:t>
+            </a:r>
+            <a:r>
+              <a:rPr lang="en-US" sz="2800" dirty="0"/>
+              <a:t> service et </a:t>
+            </a:r>
+            <a:r>
+              <a:rPr lang="en-US" sz="2800" dirty="0" err="1"/>
+              <a:t>donne</a:t>
+            </a:r>
+            <a:r>
+              <a:rPr lang="en-US" sz="2800" dirty="0"/>
+              <a:t> compatible </a:t>
+            </a:r>
             <a:r>
               <a:rPr lang="en-US" dirty="0"/>
-              <a:t>Gusto &amp; pane management , </a:t>
-            </a:r>
-            <a:r>
-              <a:rPr lang="en-US" dirty="0" err="1"/>
-              <a:t>une</a:t>
-            </a:r>
-            <a:r>
-              <a:rPr lang="en-US" dirty="0"/>
-              <a:t> application web qui </a:t>
-            </a:r>
-            <a:r>
-              <a:rPr lang="en-US" dirty="0" err="1"/>
-              <a:t>gere</a:t>
-            </a:r>
-            <a:r>
-              <a:rPr lang="en-US" dirty="0"/>
-              <a:t> un restaurant </a:t>
-            </a:r>
-            <a:r>
-              <a:rPr lang="en-US" dirty="0" err="1"/>
-              <a:t>italien</a:t>
-            </a:r>
-            <a:r>
-              <a:rPr lang="en-US" dirty="0"/>
-              <a:t> (Gusto &amp; pane).</a:t>
+              <a:t>	 </a:t>
             </a:r>
             <a:endParaRPr lang="fr-FR" dirty="0"/>
           </a:p>
@@ -4519,7 +4547,7 @@
           <p:cNvPr id="4" name="ZoneTexte 3">
             <a:extLst>
               <a:ext uri="{FF2B5EF4-FFF2-40B4-BE49-F238E27FC236}">
-                <a16:creationId xmlns:a16="http://schemas.microsoft.com/office/drawing/2014/main" id="{6613B032-7B9C-E459-C1D8-48000145ECFB}"/>
+                <a16:creationId xmlns:a16="http://schemas.microsoft.com/office/drawing/2014/main" id="{2B93FDA8-D3DB-0C2A-0C76-EF451495D1E7}"/>
               </a:ext>
             </a:extLst>
           </p:cNvPr>
@@ -4528,8 +4556,8 @@
         </p:nvSpPr>
         <p:spPr>
           <a:xfrm>
-            <a:off x="1173480" y="3046631"/>
-            <a:ext cx="9022080" cy="1477328"/>
+            <a:off x="1178506" y="949671"/>
+            <a:ext cx="4651513" cy="830997"/>
           </a:xfrm>
           <a:prstGeom prst="rect">
             <a:avLst/>
@@ -4543,119 +4571,124 @@
           <a:lstStyle/>
           <a:p>
             <a:r>
-              <a:rPr lang="en-US" dirty="0" err="1"/>
-              <a:t>Probleme</a:t>
-            </a:r>
-            <a:r>
-              <a:rPr lang="en-US" dirty="0"/>
+              <a:rPr lang="en-US" sz="4800" b="1" dirty="0"/>
+              <a:t>Defis </a:t>
+            </a:r>
+            <a:r>
+              <a:rPr lang="en-US" sz="4800" b="1" dirty="0" err="1"/>
+              <a:t>rencontrer</a:t>
+            </a:r>
+            <a:r>
+              <a:rPr lang="en-US" sz="4800" b="1" dirty="0"/>
               <a:t> :</a:t>
             </a:r>
-            <a:br>
-              <a:rPr lang="en-US" dirty="0"/>
-            </a:br>
-            <a:br>
-              <a:rPr lang="en-US" dirty="0"/>
-            </a:br>
-            <a:r>
-              <a:rPr lang="en-US" dirty="0"/>
-              <a:t>	-Gestion Manuelle des </a:t>
-            </a:r>
-            <a:r>
-              <a:rPr lang="en-US" dirty="0" err="1"/>
-              <a:t>stocks,menu,employe</a:t>
-            </a:r>
-            <a:r>
-              <a:rPr lang="en-US" dirty="0"/>
-              <a:t> </a:t>
-            </a:r>
-            <a:r>
-              <a:rPr lang="en-US" dirty="0" err="1"/>
-              <a:t>comptabilite</a:t>
-            </a:r>
-            <a:r>
-              <a:rPr lang="en-US" dirty="0"/>
-              <a:t> … </a:t>
-            </a:r>
-            <a:br>
-              <a:rPr lang="en-US" dirty="0"/>
-            </a:br>
-            <a:r>
-              <a:rPr lang="en-US" dirty="0"/>
-              <a:t>	-</a:t>
-            </a:r>
-            <a:r>
-              <a:rPr lang="en-US" dirty="0" err="1"/>
-              <a:t>Suivi</a:t>
-            </a:r>
-            <a:r>
-              <a:rPr lang="en-US" dirty="0"/>
-              <a:t> des </a:t>
-            </a:r>
-            <a:r>
-              <a:rPr lang="en-US" dirty="0" err="1"/>
-              <a:t>Recette</a:t>
-            </a:r>
-            <a:r>
-              <a:rPr lang="en-US" dirty="0"/>
-              <a:t> et </a:t>
-            </a:r>
-            <a:r>
-              <a:rPr lang="en-US" dirty="0" err="1"/>
-              <a:t>depense</a:t>
-            </a:r>
-            <a:r>
-              <a:rPr lang="en-US" dirty="0"/>
-              <a:t> et </a:t>
-            </a:r>
-            <a:r>
-              <a:rPr lang="en-US" dirty="0" err="1"/>
-              <a:t>Rapporyt</a:t>
-            </a:r>
-            <a:r>
-              <a:rPr lang="en-US" dirty="0"/>
-              <a:t> </a:t>
-            </a:r>
-            <a:r>
-              <a:rPr lang="en-US" dirty="0" err="1"/>
-              <a:t>economique</a:t>
-            </a:r>
-            <a:r>
-              <a:rPr lang="en-US" dirty="0"/>
-              <a:t> difficile .</a:t>
-            </a:r>
-            <a:br>
-              <a:rPr lang="en-US" dirty="0"/>
-            </a:br>
-            <a:r>
-              <a:rPr lang="en-US" dirty="0"/>
-              <a:t>	-manque de </a:t>
-            </a:r>
-            <a:r>
-              <a:rPr lang="en-US" dirty="0" err="1"/>
-              <a:t>statistique</a:t>
-            </a:r>
-            <a:r>
-              <a:rPr lang="en-US" dirty="0"/>
-              <a:t> </a:t>
-            </a:r>
-            <a:r>
-              <a:rPr lang="en-US" dirty="0" err="1"/>
-              <a:t>claire</a:t>
-            </a:r>
-            <a:r>
-              <a:rPr lang="en-US" dirty="0"/>
-              <a:t>.</a:t>
-            </a:r>
+            <a:endParaRPr lang="fr-FR" sz="4800" b="1" dirty="0"/>
+          </a:p>
+        </p:txBody>
+      </p:sp>
+    </p:spTree>
+    <p:extLst>
+      <p:ext uri="{BB962C8B-B14F-4D97-AF65-F5344CB8AC3E}">
+        <p14:creationId xmlns:p14="http://schemas.microsoft.com/office/powerpoint/2010/main" val="4276421315"/>
+      </p:ext>
+    </p:extLst>
+  </p:cSld>
+  <p:clrMapOvr>
+    <a:masterClrMapping/>
+  </p:clrMapOvr>
+  <mc:AlternateContent xmlns:mc="http://schemas.openxmlformats.org/markup-compatibility/2006">
+    <mc:Choice xmlns:p159="http://schemas.microsoft.com/office/powerpoint/2015/09/main" Requires="p159">
+      <p:transition xmlns:p14="http://schemas.microsoft.com/office/powerpoint/2010/main" spd="slow" p14:dur="2000">
+        <p159:morph option="byObject"/>
+      </p:transition>
+    </mc:Choice>
+    <mc:Fallback>
+      <p:transition spd="slow">
+        <p:fade/>
+      </p:transition>
+    </mc:Fallback>
+  </mc:AlternateContent>
+</p:sld>
+</file>
+
+<file path=ppt/slides/slide15.xml><?xml version="1.0" encoding="utf-8"?>
+<p:sld xmlns:a="http://schemas.openxmlformats.org/drawingml/2006/main" xmlns:r="http://schemas.openxmlformats.org/officeDocument/2006/relationships" xmlns:p="http://schemas.openxmlformats.org/presentationml/2006/main">
+  <p:cSld>
+    <p:spTree>
+      <p:nvGrpSpPr>
+        <p:cNvPr id="1" name="">
+          <a:extLst>
+            <a:ext uri="{FF2B5EF4-FFF2-40B4-BE49-F238E27FC236}">
+              <a16:creationId xmlns:a16="http://schemas.microsoft.com/office/drawing/2014/main" id="{FA290D1E-AE5A-556A-D377-D1B64C27B9A6}"/>
+            </a:ext>
+          </a:extLst>
+        </p:cNvPr>
+        <p:cNvGrpSpPr/>
+        <p:nvPr/>
+      </p:nvGrpSpPr>
+      <p:grpSpPr>
+        <a:xfrm>
+          <a:off x="0" y="0"/>
+          <a:ext cx="0" cy="0"/>
+          <a:chOff x="0" y="0"/>
+          <a:chExt cx="0" cy="0"/>
+        </a:xfrm>
+      </p:grpSpPr>
+      <p:sp>
+        <p:nvSpPr>
+          <p:cNvPr id="13" name="Rectangle 12">
+            <a:extLst>
+              <a:ext uri="{FF2B5EF4-FFF2-40B4-BE49-F238E27FC236}">
+                <a16:creationId xmlns:a16="http://schemas.microsoft.com/office/drawing/2014/main" id="{5BACB568-D3C8-1E8F-1342-A8BB7970CD87}"/>
+              </a:ext>
+            </a:extLst>
+          </p:cNvPr>
+          <p:cNvSpPr/>
+          <p:nvPr/>
+        </p:nvSpPr>
+        <p:spPr>
+          <a:xfrm>
+            <a:off x="0" y="0"/>
+            <a:ext cx="12192000" cy="6858000"/>
+          </a:xfrm>
+          <a:prstGeom prst="rect">
+            <a:avLst/>
+          </a:prstGeom>
+          <a:solidFill>
+            <a:srgbClr val="FFF8F2"/>
+          </a:solidFill>
+        </p:spPr>
+        <p:style>
+          <a:lnRef idx="2">
+            <a:schemeClr val="accent1">
+              <a:shade val="15000"/>
+            </a:schemeClr>
+          </a:lnRef>
+          <a:fillRef idx="1">
+            <a:schemeClr val="accent1"/>
+          </a:fillRef>
+          <a:effectRef idx="0">
+            <a:schemeClr val="accent1"/>
+          </a:effectRef>
+          <a:fontRef idx="minor">
+            <a:schemeClr val="lt1"/>
+          </a:fontRef>
+        </p:style>
+        <p:txBody>
+          <a:bodyPr rtlCol="0" anchor="ctr"/>
+          <a:lstStyle/>
+          <a:p>
+            <a:pPr algn="ctr"/>
             <a:endParaRPr lang="fr-FR" dirty="0"/>
           </a:p>
         </p:txBody>
       </p:sp>
       <p:sp>
         <p:nvSpPr>
-          <p:cNvPr id="5" name="ZoneTexte 4">
-            <a:extLst>
-              <a:ext uri="{FF2B5EF4-FFF2-40B4-BE49-F238E27FC236}">
-                <a16:creationId xmlns:a16="http://schemas.microsoft.com/office/drawing/2014/main" id="{D69173DC-E30F-70A8-6EE0-A08194B40007}"/>
+          <p:cNvPr id="17" name="ZoneTexte 16">
+            <a:extLst>
+              <a:ext uri="{FF2B5EF4-FFF2-40B4-BE49-F238E27FC236}">
+                <a16:creationId xmlns:a16="http://schemas.microsoft.com/office/drawing/2014/main" id="{E83BA591-26F4-38F4-198E-447E71329103}"/>
               </a:ext>
             </a:extLst>
           </p:cNvPr>
@@ -4664,8 +4697,8 @@
         </p:nvSpPr>
         <p:spPr>
           <a:xfrm>
-            <a:off x="929640" y="5242560"/>
-            <a:ext cx="5791200" cy="646331"/>
+            <a:off x="-5565656" y="5814686"/>
+            <a:ext cx="3250891" cy="707886"/>
           </a:xfrm>
           <a:prstGeom prst="rect">
             <a:avLst/>
@@ -4679,73 +4712,1683 @@
           <a:lstStyle/>
           <a:p>
             <a:r>
+              <a:rPr lang="en-US" sz="2000" dirty="0" err="1"/>
+              <a:t>Realise</a:t>
+            </a:r>
+            <a:r>
+              <a:rPr lang="en-US" sz="2000" dirty="0"/>
+              <a:t> par : Anas KABLAOUI</a:t>
+            </a:r>
+            <a:br>
+              <a:rPr lang="en-US" sz="2000" dirty="0"/>
+            </a:br>
+            <a:r>
+              <a:rPr lang="en-US" sz="2000" dirty="0"/>
+              <a:t> 	      Badr BENHILAL</a:t>
+            </a:r>
+            <a:endParaRPr lang="fr-FR" sz="2000" dirty="0"/>
+          </a:p>
+        </p:txBody>
+      </p:sp>
+      <p:sp>
+        <p:nvSpPr>
+          <p:cNvPr id="18" name="ZoneTexte 17">
+            <a:extLst>
+              <a:ext uri="{FF2B5EF4-FFF2-40B4-BE49-F238E27FC236}">
+                <a16:creationId xmlns:a16="http://schemas.microsoft.com/office/drawing/2014/main" id="{B31EB602-EF07-AD20-6DF1-8557389F6B67}"/>
+              </a:ext>
+            </a:extLst>
+          </p:cNvPr>
+          <p:cNvSpPr txBox="1"/>
+          <p:nvPr/>
+        </p:nvSpPr>
+        <p:spPr>
+          <a:xfrm>
+            <a:off x="14623266" y="5983963"/>
+            <a:ext cx="3513071" cy="369332"/>
+          </a:xfrm>
+          <a:prstGeom prst="rect">
+            <a:avLst/>
+          </a:prstGeom>
+          <a:noFill/>
+        </p:spPr>
+        <p:txBody>
+          <a:bodyPr wrap="square" rtlCol="0">
+            <a:spAutoFit/>
+          </a:bodyPr>
+          <a:lstStyle/>
+          <a:p>
+            <a:r>
               <a:rPr lang="en-US" dirty="0"/>
-              <a:t>La solution est de </a:t>
-            </a:r>
+              <a:t>3IIR Development Web </a:t>
+            </a:r>
+            <a:endParaRPr lang="fr-FR" dirty="0"/>
+          </a:p>
+        </p:txBody>
+      </p:sp>
+      <p:sp>
+        <p:nvSpPr>
+          <p:cNvPr id="19" name="ZoneTexte 18">
+            <a:extLst>
+              <a:ext uri="{FF2B5EF4-FFF2-40B4-BE49-F238E27FC236}">
+                <a16:creationId xmlns:a16="http://schemas.microsoft.com/office/drawing/2014/main" id="{B2CBD8CB-4997-A5DB-2B51-BC55EEE08041}"/>
+              </a:ext>
+            </a:extLst>
+          </p:cNvPr>
+          <p:cNvSpPr txBox="1"/>
+          <p:nvPr/>
+        </p:nvSpPr>
+        <p:spPr>
+          <a:xfrm>
+            <a:off x="8984157" y="657284"/>
+            <a:ext cx="3064212" cy="584775"/>
+          </a:xfrm>
+          <a:prstGeom prst="rect">
+            <a:avLst/>
+          </a:prstGeom>
+          <a:noFill/>
+        </p:spPr>
+        <p:txBody>
+          <a:bodyPr wrap="square" rtlCol="0">
+            <a:spAutoFit/>
+          </a:bodyPr>
+          <a:lstStyle/>
+          <a:p>
+            <a:r>
+              <a:rPr lang="en-US" sz="3200" dirty="0">
+                <a:solidFill>
+                  <a:srgbClr val="D9534F"/>
+                </a:solidFill>
+                <a:latin typeface="ADLaM Display" panose="02010000000000000000" pitchFamily="2" charset="0"/>
+                <a:ea typeface="ADLaM Display" panose="02010000000000000000" pitchFamily="2" charset="0"/>
+                <a:cs typeface="ADLaM Display" panose="02010000000000000000" pitchFamily="2" charset="0"/>
+              </a:rPr>
+              <a:t>Gusto &amp; Pane</a:t>
+            </a:r>
+            <a:endParaRPr lang="fr-FR" sz="2000" dirty="0">
+              <a:solidFill>
+                <a:srgbClr val="D9534F"/>
+              </a:solidFill>
+              <a:latin typeface="ADLaM Display" panose="02010000000000000000" pitchFamily="2" charset="0"/>
+              <a:ea typeface="ADLaM Display" panose="02010000000000000000" pitchFamily="2" charset="0"/>
+              <a:cs typeface="ADLaM Display" panose="02010000000000000000" pitchFamily="2" charset="0"/>
+            </a:endParaRPr>
+          </a:p>
+        </p:txBody>
+      </p:sp>
+      <p:sp>
+        <p:nvSpPr>
+          <p:cNvPr id="20" name="ZoneTexte 19">
+            <a:extLst>
+              <a:ext uri="{FF2B5EF4-FFF2-40B4-BE49-F238E27FC236}">
+                <a16:creationId xmlns:a16="http://schemas.microsoft.com/office/drawing/2014/main" id="{C3116669-5543-0023-615E-9CB2CE669B4F}"/>
+              </a:ext>
+            </a:extLst>
+          </p:cNvPr>
+          <p:cNvSpPr txBox="1"/>
+          <p:nvPr/>
+        </p:nvSpPr>
+        <p:spPr>
+          <a:xfrm>
+            <a:off x="4230053" y="7609048"/>
+            <a:ext cx="3199933" cy="369332"/>
+          </a:xfrm>
+          <a:prstGeom prst="rect">
+            <a:avLst/>
+          </a:prstGeom>
+          <a:noFill/>
+        </p:spPr>
+        <p:txBody>
+          <a:bodyPr wrap="square" rtlCol="0">
+            <a:spAutoFit/>
+          </a:bodyPr>
+          <a:lstStyle/>
+          <a:p>
             <a:r>
               <a:rPr lang="en-US" dirty="0" err="1"/>
-              <a:t>cree</a:t>
+              <a:t>Encadrent</a:t>
+            </a:r>
+            <a:r>
+              <a:rPr lang="en-US" dirty="0"/>
+              <a:t> : Houda </a:t>
+            </a:r>
+            <a:r>
+              <a:rPr lang="en-US" dirty="0" err="1"/>
+              <a:t>MoutTalib</a:t>
             </a:r>
             <a:r>
               <a:rPr lang="en-US" dirty="0"/>
               <a:t> </a:t>
             </a:r>
-            <a:r>
-              <a:rPr lang="en-US" dirty="0" err="1"/>
+            <a:endParaRPr lang="fr-FR" dirty="0"/>
+          </a:p>
+        </p:txBody>
+      </p:sp>
+      <p:sp>
+        <p:nvSpPr>
+          <p:cNvPr id="2" name="Triangle rectangle 1">
+            <a:extLst>
+              <a:ext uri="{FF2B5EF4-FFF2-40B4-BE49-F238E27FC236}">
+                <a16:creationId xmlns:a16="http://schemas.microsoft.com/office/drawing/2014/main" id="{D1193F7F-8736-B56E-4051-6D7B6FFB695E}"/>
+              </a:ext>
+            </a:extLst>
+          </p:cNvPr>
+          <p:cNvSpPr/>
+          <p:nvPr/>
+        </p:nvSpPr>
+        <p:spPr>
+          <a:xfrm rot="16200000">
+            <a:off x="7360920" y="2026920"/>
+            <a:ext cx="4373880" cy="5288280"/>
+          </a:xfrm>
+          <a:prstGeom prst="rtTriangle">
+            <a:avLst/>
+          </a:prstGeom>
+          <a:solidFill>
+            <a:srgbClr val="2E8B57"/>
+          </a:solidFill>
+          <a:ln>
+            <a:solidFill>
+              <a:srgbClr val="FFF8F2"/>
+            </a:solidFill>
+          </a:ln>
+        </p:spPr>
+        <p:style>
+          <a:lnRef idx="2">
+            <a:schemeClr val="accent1">
+              <a:shade val="15000"/>
+            </a:schemeClr>
+          </a:lnRef>
+          <a:fillRef idx="1">
+            <a:schemeClr val="accent1"/>
+          </a:fillRef>
+          <a:effectRef idx="0">
+            <a:schemeClr val="accent1"/>
+          </a:effectRef>
+          <a:fontRef idx="minor">
+            <a:schemeClr val="lt1"/>
+          </a:fontRef>
+        </p:style>
+        <p:txBody>
+          <a:bodyPr rtlCol="0" anchor="ctr"/>
+          <a:lstStyle/>
+          <a:p>
+            <a:pPr algn="ctr"/>
+            <a:endParaRPr lang="fr-FR"/>
+          </a:p>
+        </p:txBody>
+      </p:sp>
+      <p:sp>
+        <p:nvSpPr>
+          <p:cNvPr id="4" name="ZoneTexte 3">
+            <a:extLst>
+              <a:ext uri="{FF2B5EF4-FFF2-40B4-BE49-F238E27FC236}">
+                <a16:creationId xmlns:a16="http://schemas.microsoft.com/office/drawing/2014/main" id="{86883659-D949-9DED-B6FA-0006ADA4D35D}"/>
+              </a:ext>
+            </a:extLst>
+          </p:cNvPr>
+          <p:cNvSpPr txBox="1"/>
+          <p:nvPr/>
+        </p:nvSpPr>
+        <p:spPr>
+          <a:xfrm>
+            <a:off x="1103243" y="2484120"/>
+            <a:ext cx="8444617" cy="1815882"/>
+          </a:xfrm>
+          <a:prstGeom prst="rect">
+            <a:avLst/>
+          </a:prstGeom>
+          <a:noFill/>
+        </p:spPr>
+        <p:txBody>
+          <a:bodyPr wrap="square" rtlCol="0">
+            <a:spAutoFit/>
+          </a:bodyPr>
+          <a:lstStyle/>
+          <a:p>
+            <a:pPr marL="457200" indent="-457200">
+              <a:buFont typeface="Arial" panose="020B0604020202020204" pitchFamily="34" charset="0"/>
+              <a:buChar char="•"/>
+            </a:pPr>
+            <a:r>
+              <a:rPr lang="en-US" sz="2800" dirty="0" err="1"/>
+              <a:t>creer</a:t>
+            </a:r>
+            <a:r>
+              <a:rPr lang="en-US" sz="2800" dirty="0"/>
+              <a:t> </a:t>
+            </a:r>
+            <a:r>
+              <a:rPr lang="en-US" sz="2800" dirty="0" err="1"/>
               <a:t>une</a:t>
             </a:r>
             <a:r>
-              <a:rPr lang="en-US" dirty="0"/>
-              <a:t> application web </a:t>
-            </a:r>
-            <a:r>
-              <a:rPr lang="en-US" dirty="0" err="1"/>
+              <a:rPr lang="en-US" sz="2800" dirty="0"/>
+              <a:t> base donner est </a:t>
+            </a:r>
+            <a:r>
+              <a:rPr lang="en-US" sz="2800" dirty="0" err="1"/>
+              <a:t>l’utiliserr</a:t>
+            </a:r>
+            <a:r>
+              <a:rPr lang="en-US" sz="2800" dirty="0"/>
+              <a:t> pour </a:t>
+            </a:r>
+            <a:r>
+              <a:rPr lang="en-US" sz="2800" dirty="0" err="1"/>
+              <a:t>manipuler</a:t>
+            </a:r>
+            <a:r>
+              <a:rPr lang="en-US" sz="2800" dirty="0"/>
+              <a:t> </a:t>
+            </a:r>
+            <a:r>
+              <a:rPr lang="en-US" sz="2800" dirty="0" err="1"/>
+              <a:t>nos</a:t>
+            </a:r>
+            <a:r>
+              <a:rPr lang="en-US" sz="2800" dirty="0"/>
+              <a:t> donners</a:t>
+            </a:r>
+          </a:p>
+          <a:p>
+            <a:pPr marL="457200" indent="-457200">
+              <a:buFont typeface="Arial" panose="020B0604020202020204" pitchFamily="34" charset="0"/>
+              <a:buChar char="•"/>
+            </a:pPr>
+            <a:r>
+              <a:rPr lang="en-US" sz="2800" dirty="0" err="1"/>
+              <a:t>creer</a:t>
+            </a:r>
+            <a:r>
+              <a:rPr lang="en-US" sz="2800" dirty="0"/>
+              <a:t> </a:t>
+            </a:r>
+            <a:r>
+              <a:rPr lang="en-US" sz="2800" dirty="0" err="1"/>
+              <a:t>une</a:t>
+            </a:r>
+            <a:r>
+              <a:rPr lang="en-US" sz="2800" dirty="0"/>
+              <a:t> page client </a:t>
+            </a:r>
+            <a:r>
+              <a:rPr lang="en-US" sz="2800" dirty="0" err="1"/>
               <a:t>dont</a:t>
             </a:r>
             <a:r>
-              <a:rPr lang="en-US" dirty="0"/>
+              <a:rPr lang="en-US" sz="2800" dirty="0"/>
               <a:t> on </a:t>
             </a:r>
             <a:r>
-              <a:rPr lang="en-US" dirty="0" err="1"/>
-              <a:t>peux</a:t>
-            </a:r>
-            <a:r>
-              <a:rPr lang="en-US" dirty="0"/>
+              <a:rPr lang="en-US" sz="2800" dirty="0" err="1"/>
+              <a:t>peut</a:t>
+            </a:r>
+            <a:r>
+              <a:rPr lang="en-US" sz="2800" dirty="0"/>
               <a:t> </a:t>
             </a:r>
             <a:r>
-              <a:rPr lang="en-US" dirty="0" err="1"/>
-              <a:t>gerer</a:t>
-            </a:r>
-            <a:r>
-              <a:rPr lang="en-US" dirty="0"/>
+              <a:rPr lang="en-US" sz="2800" dirty="0" err="1"/>
+              <a:t>reserver</a:t>
+            </a:r>
+            <a:r>
+              <a:rPr lang="en-US" sz="2800" dirty="0"/>
               <a:t> </a:t>
             </a:r>
             <a:r>
-              <a:rPr lang="en-US" dirty="0" err="1"/>
-              <a:t>notre</a:t>
-            </a:r>
-            <a:r>
-              <a:rPr lang="en-US" dirty="0"/>
-              <a:t> restaurants de manière plus </a:t>
-            </a:r>
-            <a:r>
-              <a:rPr lang="en-US" dirty="0" err="1"/>
-              <a:t>automatiser</a:t>
-            </a:r>
-            <a:r>
-              <a:rPr lang="en-US" dirty="0"/>
-              <a:t> .</a:t>
-            </a:r>
-            <a:endParaRPr lang="fr-FR" dirty="0"/>
+              <a:rPr lang="en-US" sz="2800" dirty="0" err="1"/>
+              <a:t>ou</a:t>
+            </a:r>
+            <a:r>
+              <a:rPr lang="en-US" sz="2800" dirty="0"/>
+              <a:t> commander des menu .  </a:t>
+            </a:r>
+            <a:endParaRPr lang="fr-FR" sz="2800" dirty="0"/>
+          </a:p>
+        </p:txBody>
+      </p:sp>
+      <p:sp>
+        <p:nvSpPr>
+          <p:cNvPr id="3" name="ZoneTexte 2">
+            <a:extLst>
+              <a:ext uri="{FF2B5EF4-FFF2-40B4-BE49-F238E27FC236}">
+                <a16:creationId xmlns:a16="http://schemas.microsoft.com/office/drawing/2014/main" id="{98DEC44F-8533-20B7-C912-07D22EB35ECA}"/>
+              </a:ext>
+            </a:extLst>
+          </p:cNvPr>
+          <p:cNvSpPr txBox="1"/>
+          <p:nvPr/>
+        </p:nvSpPr>
+        <p:spPr>
+          <a:xfrm>
+            <a:off x="1103243" y="1033670"/>
+            <a:ext cx="6619461" cy="830997"/>
+          </a:xfrm>
+          <a:prstGeom prst="rect">
+            <a:avLst/>
+          </a:prstGeom>
+          <a:noFill/>
+        </p:spPr>
+        <p:txBody>
+          <a:bodyPr wrap="square" rtlCol="0">
+            <a:spAutoFit/>
+          </a:bodyPr>
+          <a:lstStyle/>
+          <a:p>
+            <a:r>
+              <a:rPr lang="en-US" sz="4800" b="1" dirty="0"/>
+              <a:t>Amelioration possible :</a:t>
+            </a:r>
+            <a:endParaRPr lang="fr-FR" sz="4800" b="1" dirty="0"/>
           </a:p>
         </p:txBody>
       </p:sp>
     </p:spTree>
     <p:extLst>
       <p:ext uri="{BB962C8B-B14F-4D97-AF65-F5344CB8AC3E}">
-        <p14:creationId xmlns:p14="http://schemas.microsoft.com/office/powerpoint/2010/main" val="4172238343"/>
+        <p14:creationId xmlns:p14="http://schemas.microsoft.com/office/powerpoint/2010/main" val="3730732725"/>
+      </p:ext>
+    </p:extLst>
+  </p:cSld>
+  <p:clrMapOvr>
+    <a:masterClrMapping/>
+  </p:clrMapOvr>
+  <mc:AlternateContent xmlns:mc="http://schemas.openxmlformats.org/markup-compatibility/2006">
+    <mc:Choice xmlns:p159="http://schemas.microsoft.com/office/powerpoint/2015/09/main" Requires="p159">
+      <p:transition xmlns:p14="http://schemas.microsoft.com/office/powerpoint/2010/main" spd="slow" p14:dur="2000">
+        <p159:morph option="byObject"/>
+      </p:transition>
+    </mc:Choice>
+    <mc:Fallback>
+      <p:transition spd="slow">
+        <p:fade/>
+      </p:transition>
+    </mc:Fallback>
+  </mc:AlternateContent>
+</p:sld>
+</file>
+
+<file path=ppt/slides/slide16.xml><?xml version="1.0" encoding="utf-8"?>
+<p:sld xmlns:a="http://schemas.openxmlformats.org/drawingml/2006/main" xmlns:r="http://schemas.openxmlformats.org/officeDocument/2006/relationships" xmlns:p="http://schemas.openxmlformats.org/presentationml/2006/main">
+  <p:cSld>
+    <p:spTree>
+      <p:nvGrpSpPr>
+        <p:cNvPr id="1" name="">
+          <a:extLst>
+            <a:ext uri="{FF2B5EF4-FFF2-40B4-BE49-F238E27FC236}">
+              <a16:creationId xmlns:a16="http://schemas.microsoft.com/office/drawing/2014/main" id="{DCE20D36-3A7A-2E22-8F9B-8DFF97BB28AB}"/>
+            </a:ext>
+          </a:extLst>
+        </p:cNvPr>
+        <p:cNvGrpSpPr/>
+        <p:nvPr/>
+      </p:nvGrpSpPr>
+      <p:grpSpPr>
+        <a:xfrm>
+          <a:off x="0" y="0"/>
+          <a:ext cx="0" cy="0"/>
+          <a:chOff x="0" y="0"/>
+          <a:chExt cx="0" cy="0"/>
+        </a:xfrm>
+      </p:grpSpPr>
+      <p:sp>
+        <p:nvSpPr>
+          <p:cNvPr id="13" name="Rectangle 12">
+            <a:extLst>
+              <a:ext uri="{FF2B5EF4-FFF2-40B4-BE49-F238E27FC236}">
+                <a16:creationId xmlns:a16="http://schemas.microsoft.com/office/drawing/2014/main" id="{43D630DC-9255-F9CE-D1D9-E7B182833913}"/>
+              </a:ext>
+            </a:extLst>
+          </p:cNvPr>
+          <p:cNvSpPr/>
+          <p:nvPr/>
+        </p:nvSpPr>
+        <p:spPr>
+          <a:xfrm>
+            <a:off x="0" y="0"/>
+            <a:ext cx="12192000" cy="6858000"/>
+          </a:xfrm>
+          <a:prstGeom prst="rect">
+            <a:avLst/>
+          </a:prstGeom>
+          <a:solidFill>
+            <a:srgbClr val="FFF8F2"/>
+          </a:solidFill>
+        </p:spPr>
+        <p:style>
+          <a:lnRef idx="2">
+            <a:schemeClr val="accent1">
+              <a:shade val="15000"/>
+            </a:schemeClr>
+          </a:lnRef>
+          <a:fillRef idx="1">
+            <a:schemeClr val="accent1"/>
+          </a:fillRef>
+          <a:effectRef idx="0">
+            <a:schemeClr val="accent1"/>
+          </a:effectRef>
+          <a:fontRef idx="minor">
+            <a:schemeClr val="lt1"/>
+          </a:fontRef>
+        </p:style>
+        <p:txBody>
+          <a:bodyPr rtlCol="0" anchor="ctr"/>
+          <a:lstStyle/>
+          <a:p>
+            <a:pPr algn="ctr"/>
+            <a:endParaRPr lang="fr-FR" dirty="0"/>
+          </a:p>
+        </p:txBody>
+      </p:sp>
+      <p:sp>
+        <p:nvSpPr>
+          <p:cNvPr id="17" name="ZoneTexte 16">
+            <a:extLst>
+              <a:ext uri="{FF2B5EF4-FFF2-40B4-BE49-F238E27FC236}">
+                <a16:creationId xmlns:a16="http://schemas.microsoft.com/office/drawing/2014/main" id="{A2A2BEEE-F157-8BDF-5414-947909C2D57F}"/>
+              </a:ext>
+            </a:extLst>
+          </p:cNvPr>
+          <p:cNvSpPr txBox="1"/>
+          <p:nvPr/>
+        </p:nvSpPr>
+        <p:spPr>
+          <a:xfrm>
+            <a:off x="-5565656" y="5814686"/>
+            <a:ext cx="3250891" cy="707886"/>
+          </a:xfrm>
+          <a:prstGeom prst="rect">
+            <a:avLst/>
+          </a:prstGeom>
+          <a:noFill/>
+        </p:spPr>
+        <p:txBody>
+          <a:bodyPr wrap="square" rtlCol="0">
+            <a:spAutoFit/>
+          </a:bodyPr>
+          <a:lstStyle/>
+          <a:p>
+            <a:r>
+              <a:rPr lang="en-US" sz="2000" dirty="0" err="1"/>
+              <a:t>Realise</a:t>
+            </a:r>
+            <a:r>
+              <a:rPr lang="en-US" sz="2000" dirty="0"/>
+              <a:t> par : Anas KABLAOUI</a:t>
+            </a:r>
+            <a:br>
+              <a:rPr lang="en-US" sz="2000" dirty="0"/>
+            </a:br>
+            <a:r>
+              <a:rPr lang="en-US" sz="2000" dirty="0"/>
+              <a:t> 	      Badr BENHILAL</a:t>
+            </a:r>
+            <a:endParaRPr lang="fr-FR" sz="2000" dirty="0"/>
+          </a:p>
+        </p:txBody>
+      </p:sp>
+      <p:sp>
+        <p:nvSpPr>
+          <p:cNvPr id="18" name="ZoneTexte 17">
+            <a:extLst>
+              <a:ext uri="{FF2B5EF4-FFF2-40B4-BE49-F238E27FC236}">
+                <a16:creationId xmlns:a16="http://schemas.microsoft.com/office/drawing/2014/main" id="{9C418839-C2CC-327E-DCD7-A9D30001D48A}"/>
+              </a:ext>
+            </a:extLst>
+          </p:cNvPr>
+          <p:cNvSpPr txBox="1"/>
+          <p:nvPr/>
+        </p:nvSpPr>
+        <p:spPr>
+          <a:xfrm>
+            <a:off x="14623266" y="5983963"/>
+            <a:ext cx="3513071" cy="369332"/>
+          </a:xfrm>
+          <a:prstGeom prst="rect">
+            <a:avLst/>
+          </a:prstGeom>
+          <a:noFill/>
+        </p:spPr>
+        <p:txBody>
+          <a:bodyPr wrap="square" rtlCol="0">
+            <a:spAutoFit/>
+          </a:bodyPr>
+          <a:lstStyle/>
+          <a:p>
+            <a:r>
+              <a:rPr lang="en-US" dirty="0"/>
+              <a:t>3IIR Development Web </a:t>
+            </a:r>
+            <a:endParaRPr lang="fr-FR" dirty="0"/>
+          </a:p>
+        </p:txBody>
+      </p:sp>
+      <p:sp>
+        <p:nvSpPr>
+          <p:cNvPr id="19" name="ZoneTexte 18">
+            <a:extLst>
+              <a:ext uri="{FF2B5EF4-FFF2-40B4-BE49-F238E27FC236}">
+                <a16:creationId xmlns:a16="http://schemas.microsoft.com/office/drawing/2014/main" id="{C0227182-7529-4D90-4EDF-6DEFB1E7C681}"/>
+              </a:ext>
+            </a:extLst>
+          </p:cNvPr>
+          <p:cNvSpPr txBox="1"/>
+          <p:nvPr/>
+        </p:nvSpPr>
+        <p:spPr>
+          <a:xfrm>
+            <a:off x="8984157" y="657284"/>
+            <a:ext cx="3064212" cy="584775"/>
+          </a:xfrm>
+          <a:prstGeom prst="rect">
+            <a:avLst/>
+          </a:prstGeom>
+          <a:noFill/>
+        </p:spPr>
+        <p:txBody>
+          <a:bodyPr wrap="square" rtlCol="0">
+            <a:spAutoFit/>
+          </a:bodyPr>
+          <a:lstStyle/>
+          <a:p>
+            <a:r>
+              <a:rPr lang="en-US" sz="3200" dirty="0">
+                <a:solidFill>
+                  <a:srgbClr val="D9534F"/>
+                </a:solidFill>
+                <a:latin typeface="ADLaM Display" panose="02010000000000000000" pitchFamily="2" charset="0"/>
+                <a:ea typeface="ADLaM Display" panose="02010000000000000000" pitchFamily="2" charset="0"/>
+                <a:cs typeface="ADLaM Display" panose="02010000000000000000" pitchFamily="2" charset="0"/>
+              </a:rPr>
+              <a:t>Gusto &amp; Pane</a:t>
+            </a:r>
+            <a:endParaRPr lang="fr-FR" sz="2000" dirty="0">
+              <a:solidFill>
+                <a:srgbClr val="D9534F"/>
+              </a:solidFill>
+              <a:latin typeface="ADLaM Display" panose="02010000000000000000" pitchFamily="2" charset="0"/>
+              <a:ea typeface="ADLaM Display" panose="02010000000000000000" pitchFamily="2" charset="0"/>
+              <a:cs typeface="ADLaM Display" panose="02010000000000000000" pitchFamily="2" charset="0"/>
+            </a:endParaRPr>
+          </a:p>
+        </p:txBody>
+      </p:sp>
+      <p:sp>
+        <p:nvSpPr>
+          <p:cNvPr id="20" name="ZoneTexte 19">
+            <a:extLst>
+              <a:ext uri="{FF2B5EF4-FFF2-40B4-BE49-F238E27FC236}">
+                <a16:creationId xmlns:a16="http://schemas.microsoft.com/office/drawing/2014/main" id="{27F01C41-E499-4E8D-6E9F-49049968587B}"/>
+              </a:ext>
+            </a:extLst>
+          </p:cNvPr>
+          <p:cNvSpPr txBox="1"/>
+          <p:nvPr/>
+        </p:nvSpPr>
+        <p:spPr>
+          <a:xfrm>
+            <a:off x="4230053" y="7609048"/>
+            <a:ext cx="3199933" cy="369332"/>
+          </a:xfrm>
+          <a:prstGeom prst="rect">
+            <a:avLst/>
+          </a:prstGeom>
+          <a:noFill/>
+        </p:spPr>
+        <p:txBody>
+          <a:bodyPr wrap="square" rtlCol="0">
+            <a:spAutoFit/>
+          </a:bodyPr>
+          <a:lstStyle/>
+          <a:p>
+            <a:r>
+              <a:rPr lang="en-US" dirty="0" err="1"/>
+              <a:t>Encadrent</a:t>
+            </a:r>
+            <a:r>
+              <a:rPr lang="en-US" dirty="0"/>
+              <a:t> : Houda </a:t>
+            </a:r>
+            <a:r>
+              <a:rPr lang="en-US" dirty="0" err="1"/>
+              <a:t>MoutTalib</a:t>
+            </a:r>
+            <a:r>
+              <a:rPr lang="en-US" dirty="0"/>
+              <a:t> </a:t>
+            </a:r>
+            <a:endParaRPr lang="fr-FR" dirty="0"/>
+          </a:p>
+        </p:txBody>
+      </p:sp>
+      <p:sp>
+        <p:nvSpPr>
+          <p:cNvPr id="2" name="Triangle rectangle 1">
+            <a:extLst>
+              <a:ext uri="{FF2B5EF4-FFF2-40B4-BE49-F238E27FC236}">
+                <a16:creationId xmlns:a16="http://schemas.microsoft.com/office/drawing/2014/main" id="{E9578C42-E444-A80E-01AA-87AF593A4D1D}"/>
+              </a:ext>
+            </a:extLst>
+          </p:cNvPr>
+          <p:cNvSpPr/>
+          <p:nvPr/>
+        </p:nvSpPr>
+        <p:spPr>
+          <a:xfrm rot="16200000">
+            <a:off x="7360920" y="2026920"/>
+            <a:ext cx="4373880" cy="5288280"/>
+          </a:xfrm>
+          <a:prstGeom prst="rtTriangle">
+            <a:avLst/>
+          </a:prstGeom>
+          <a:solidFill>
+            <a:srgbClr val="2E8B57"/>
+          </a:solidFill>
+          <a:ln>
+            <a:solidFill>
+              <a:srgbClr val="FFF8F2"/>
+            </a:solidFill>
+          </a:ln>
+        </p:spPr>
+        <p:style>
+          <a:lnRef idx="2">
+            <a:schemeClr val="accent1">
+              <a:shade val="15000"/>
+            </a:schemeClr>
+          </a:lnRef>
+          <a:fillRef idx="1">
+            <a:schemeClr val="accent1"/>
+          </a:fillRef>
+          <a:effectRef idx="0">
+            <a:schemeClr val="accent1"/>
+          </a:effectRef>
+          <a:fontRef idx="minor">
+            <a:schemeClr val="lt1"/>
+          </a:fontRef>
+        </p:style>
+        <p:txBody>
+          <a:bodyPr rtlCol="0" anchor="ctr"/>
+          <a:lstStyle/>
+          <a:p>
+            <a:pPr algn="ctr"/>
+            <a:endParaRPr lang="fr-FR"/>
+          </a:p>
+        </p:txBody>
+      </p:sp>
+      <p:sp>
+        <p:nvSpPr>
+          <p:cNvPr id="4" name="ZoneTexte 3">
+            <a:extLst>
+              <a:ext uri="{FF2B5EF4-FFF2-40B4-BE49-F238E27FC236}">
+                <a16:creationId xmlns:a16="http://schemas.microsoft.com/office/drawing/2014/main" id="{F232016E-EF91-4BF1-58A5-4F523F2F607D}"/>
+              </a:ext>
+            </a:extLst>
+          </p:cNvPr>
+          <p:cNvSpPr txBox="1"/>
+          <p:nvPr/>
+        </p:nvSpPr>
+        <p:spPr>
+          <a:xfrm>
+            <a:off x="894521" y="2275729"/>
+            <a:ext cx="8444617" cy="3108543"/>
+          </a:xfrm>
+          <a:prstGeom prst="rect">
+            <a:avLst/>
+          </a:prstGeom>
+          <a:noFill/>
+        </p:spPr>
+        <p:txBody>
+          <a:bodyPr wrap="square" rtlCol="0">
+            <a:spAutoFit/>
+          </a:bodyPr>
+          <a:lstStyle/>
+          <a:p>
+            <a:r>
+              <a:rPr lang="fr-FR" sz="2800" dirty="0"/>
+              <a:t>Ce projet a permis de concevoir une application de gestion fiable pour un restaurant, basée sur l’exploitation de JavaScript et des fichiers JSON.</a:t>
+            </a:r>
+            <a:br>
+              <a:rPr lang="fr-FR" sz="2800" dirty="0"/>
+            </a:br>
+            <a:r>
+              <a:rPr lang="fr-FR" sz="2800" dirty="0"/>
+              <a:t>Il offre une visualisation claire des données (stocks, recettes, dépenses) et constitue une base solide pour des évolutions futures telles que l’intégration d’une base de données et un système d’authentification avancé</a:t>
+            </a:r>
+          </a:p>
+        </p:txBody>
+      </p:sp>
+      <p:sp>
+        <p:nvSpPr>
+          <p:cNvPr id="3" name="ZoneTexte 2">
+            <a:extLst>
+              <a:ext uri="{FF2B5EF4-FFF2-40B4-BE49-F238E27FC236}">
+                <a16:creationId xmlns:a16="http://schemas.microsoft.com/office/drawing/2014/main" id="{9FDD11D9-3E04-0019-573E-ACFF0E1C3ECA}"/>
+              </a:ext>
+            </a:extLst>
+          </p:cNvPr>
+          <p:cNvSpPr txBox="1"/>
+          <p:nvPr/>
+        </p:nvSpPr>
+        <p:spPr>
+          <a:xfrm>
+            <a:off x="920322" y="980188"/>
+            <a:ext cx="6619461" cy="830997"/>
+          </a:xfrm>
+          <a:prstGeom prst="rect">
+            <a:avLst/>
+          </a:prstGeom>
+          <a:noFill/>
+        </p:spPr>
+        <p:txBody>
+          <a:bodyPr wrap="square" rtlCol="0">
+            <a:spAutoFit/>
+          </a:bodyPr>
+          <a:lstStyle/>
+          <a:p>
+            <a:r>
+              <a:rPr lang="en-US" sz="4800" b="1" dirty="0"/>
+              <a:t>Conclusion :</a:t>
+            </a:r>
+            <a:endParaRPr lang="fr-FR" sz="4800" b="1" dirty="0"/>
+          </a:p>
+        </p:txBody>
+      </p:sp>
+    </p:spTree>
+    <p:extLst>
+      <p:ext uri="{BB962C8B-B14F-4D97-AF65-F5344CB8AC3E}">
+        <p14:creationId xmlns:p14="http://schemas.microsoft.com/office/powerpoint/2010/main" val="681618441"/>
+      </p:ext>
+    </p:extLst>
+  </p:cSld>
+  <p:clrMapOvr>
+    <a:masterClrMapping/>
+  </p:clrMapOvr>
+  <mc:AlternateContent xmlns:mc="http://schemas.openxmlformats.org/markup-compatibility/2006">
+    <mc:Choice xmlns:p159="http://schemas.microsoft.com/office/powerpoint/2015/09/main" Requires="p159">
+      <p:transition xmlns:p14="http://schemas.microsoft.com/office/powerpoint/2010/main" spd="slow" p14:dur="2000">
+        <p159:morph option="byObject"/>
+      </p:transition>
+    </mc:Choice>
+    <mc:Fallback>
+      <p:transition spd="slow">
+        <p:fade/>
+      </p:transition>
+    </mc:Fallback>
+  </mc:AlternateContent>
+</p:sld>
+</file>
+
+<file path=ppt/slides/slide17.xml><?xml version="1.0" encoding="utf-8"?>
+<p:sld xmlns:a="http://schemas.openxmlformats.org/drawingml/2006/main" xmlns:r="http://schemas.openxmlformats.org/officeDocument/2006/relationships" xmlns:p="http://schemas.openxmlformats.org/presentationml/2006/main">
+  <p:cSld>
+    <p:spTree>
+      <p:nvGrpSpPr>
+        <p:cNvPr id="1" name="">
+          <a:extLst>
+            <a:ext uri="{FF2B5EF4-FFF2-40B4-BE49-F238E27FC236}">
+              <a16:creationId xmlns:a16="http://schemas.microsoft.com/office/drawing/2014/main" id="{FF34C626-F353-A608-47DE-6A27F98CAFB7}"/>
+            </a:ext>
+          </a:extLst>
+        </p:cNvPr>
+        <p:cNvGrpSpPr/>
+        <p:nvPr/>
+      </p:nvGrpSpPr>
+      <p:grpSpPr>
+        <a:xfrm>
+          <a:off x="0" y="0"/>
+          <a:ext cx="0" cy="0"/>
+          <a:chOff x="0" y="0"/>
+          <a:chExt cx="0" cy="0"/>
+        </a:xfrm>
+      </p:grpSpPr>
+      <p:sp>
+        <p:nvSpPr>
+          <p:cNvPr id="13" name="Rectangle 12">
+            <a:extLst>
+              <a:ext uri="{FF2B5EF4-FFF2-40B4-BE49-F238E27FC236}">
+                <a16:creationId xmlns:a16="http://schemas.microsoft.com/office/drawing/2014/main" id="{B8B58C9B-FF29-8553-E17E-DB873203726F}"/>
+              </a:ext>
+            </a:extLst>
+          </p:cNvPr>
+          <p:cNvSpPr/>
+          <p:nvPr/>
+        </p:nvSpPr>
+        <p:spPr>
+          <a:xfrm>
+            <a:off x="0" y="0"/>
+            <a:ext cx="12192000" cy="6858000"/>
+          </a:xfrm>
+          <a:prstGeom prst="rect">
+            <a:avLst/>
+          </a:prstGeom>
+          <a:solidFill>
+            <a:srgbClr val="FFF8F2"/>
+          </a:solidFill>
+        </p:spPr>
+        <p:style>
+          <a:lnRef idx="2">
+            <a:schemeClr val="accent1">
+              <a:shade val="15000"/>
+            </a:schemeClr>
+          </a:lnRef>
+          <a:fillRef idx="1">
+            <a:schemeClr val="accent1"/>
+          </a:fillRef>
+          <a:effectRef idx="0">
+            <a:schemeClr val="accent1"/>
+          </a:effectRef>
+          <a:fontRef idx="minor">
+            <a:schemeClr val="lt1"/>
+          </a:fontRef>
+        </p:style>
+        <p:txBody>
+          <a:bodyPr rtlCol="0" anchor="ctr"/>
+          <a:lstStyle/>
+          <a:p>
+            <a:pPr algn="ctr"/>
+            <a:endParaRPr lang="fr-FR" dirty="0"/>
+          </a:p>
+        </p:txBody>
+      </p:sp>
+      <p:sp>
+        <p:nvSpPr>
+          <p:cNvPr id="17" name="ZoneTexte 16">
+            <a:extLst>
+              <a:ext uri="{FF2B5EF4-FFF2-40B4-BE49-F238E27FC236}">
+                <a16:creationId xmlns:a16="http://schemas.microsoft.com/office/drawing/2014/main" id="{FC099CF0-E3E5-77FD-6ADC-7C9364B733EC}"/>
+              </a:ext>
+            </a:extLst>
+          </p:cNvPr>
+          <p:cNvSpPr txBox="1"/>
+          <p:nvPr/>
+        </p:nvSpPr>
+        <p:spPr>
+          <a:xfrm>
+            <a:off x="-5565656" y="5814686"/>
+            <a:ext cx="3250891" cy="707886"/>
+          </a:xfrm>
+          <a:prstGeom prst="rect">
+            <a:avLst/>
+          </a:prstGeom>
+          <a:noFill/>
+        </p:spPr>
+        <p:txBody>
+          <a:bodyPr wrap="square" rtlCol="0">
+            <a:spAutoFit/>
+          </a:bodyPr>
+          <a:lstStyle/>
+          <a:p>
+            <a:r>
+              <a:rPr lang="en-US" sz="2000" dirty="0" err="1"/>
+              <a:t>Realise</a:t>
+            </a:r>
+            <a:r>
+              <a:rPr lang="en-US" sz="2000" dirty="0"/>
+              <a:t> par : Anas KABLAOUI</a:t>
+            </a:r>
+            <a:br>
+              <a:rPr lang="en-US" sz="2000" dirty="0"/>
+            </a:br>
+            <a:r>
+              <a:rPr lang="en-US" sz="2000" dirty="0"/>
+              <a:t> 	      Badr BENHILAL</a:t>
+            </a:r>
+            <a:endParaRPr lang="fr-FR" sz="2000" dirty="0"/>
+          </a:p>
+        </p:txBody>
+      </p:sp>
+      <p:sp>
+        <p:nvSpPr>
+          <p:cNvPr id="18" name="ZoneTexte 17">
+            <a:extLst>
+              <a:ext uri="{FF2B5EF4-FFF2-40B4-BE49-F238E27FC236}">
+                <a16:creationId xmlns:a16="http://schemas.microsoft.com/office/drawing/2014/main" id="{8DEE796A-6525-B8D8-DCD4-D1BF65DBF1EC}"/>
+              </a:ext>
+            </a:extLst>
+          </p:cNvPr>
+          <p:cNvSpPr txBox="1"/>
+          <p:nvPr/>
+        </p:nvSpPr>
+        <p:spPr>
+          <a:xfrm>
+            <a:off x="14623266" y="5983963"/>
+            <a:ext cx="3513071" cy="369332"/>
+          </a:xfrm>
+          <a:prstGeom prst="rect">
+            <a:avLst/>
+          </a:prstGeom>
+          <a:noFill/>
+        </p:spPr>
+        <p:txBody>
+          <a:bodyPr wrap="square" rtlCol="0">
+            <a:spAutoFit/>
+          </a:bodyPr>
+          <a:lstStyle/>
+          <a:p>
+            <a:r>
+              <a:rPr lang="en-US" dirty="0"/>
+              <a:t>3IIR Development Web </a:t>
+            </a:r>
+            <a:endParaRPr lang="fr-FR" dirty="0"/>
+          </a:p>
+        </p:txBody>
+      </p:sp>
+      <p:sp>
+        <p:nvSpPr>
+          <p:cNvPr id="19" name="ZoneTexte 18">
+            <a:extLst>
+              <a:ext uri="{FF2B5EF4-FFF2-40B4-BE49-F238E27FC236}">
+                <a16:creationId xmlns:a16="http://schemas.microsoft.com/office/drawing/2014/main" id="{6C9B9457-E693-B43B-F6C4-04B3D3B18E4D}"/>
+              </a:ext>
+            </a:extLst>
+          </p:cNvPr>
+          <p:cNvSpPr txBox="1"/>
+          <p:nvPr/>
+        </p:nvSpPr>
+        <p:spPr>
+          <a:xfrm>
+            <a:off x="8984157" y="657284"/>
+            <a:ext cx="3064212" cy="584775"/>
+          </a:xfrm>
+          <a:prstGeom prst="rect">
+            <a:avLst/>
+          </a:prstGeom>
+          <a:noFill/>
+        </p:spPr>
+        <p:txBody>
+          <a:bodyPr wrap="square" rtlCol="0">
+            <a:spAutoFit/>
+          </a:bodyPr>
+          <a:lstStyle/>
+          <a:p>
+            <a:r>
+              <a:rPr lang="en-US" sz="3200" dirty="0">
+                <a:solidFill>
+                  <a:srgbClr val="D9534F"/>
+                </a:solidFill>
+                <a:latin typeface="ADLaM Display" panose="02010000000000000000" pitchFamily="2" charset="0"/>
+                <a:ea typeface="ADLaM Display" panose="02010000000000000000" pitchFamily="2" charset="0"/>
+                <a:cs typeface="ADLaM Display" panose="02010000000000000000" pitchFamily="2" charset="0"/>
+              </a:rPr>
+              <a:t>Gusto &amp; Pane</a:t>
+            </a:r>
+            <a:endParaRPr lang="fr-FR" sz="2000" dirty="0">
+              <a:solidFill>
+                <a:srgbClr val="D9534F"/>
+              </a:solidFill>
+              <a:latin typeface="ADLaM Display" panose="02010000000000000000" pitchFamily="2" charset="0"/>
+              <a:ea typeface="ADLaM Display" panose="02010000000000000000" pitchFamily="2" charset="0"/>
+              <a:cs typeface="ADLaM Display" panose="02010000000000000000" pitchFamily="2" charset="0"/>
+            </a:endParaRPr>
+          </a:p>
+        </p:txBody>
+      </p:sp>
+      <p:sp>
+        <p:nvSpPr>
+          <p:cNvPr id="20" name="ZoneTexte 19">
+            <a:extLst>
+              <a:ext uri="{FF2B5EF4-FFF2-40B4-BE49-F238E27FC236}">
+                <a16:creationId xmlns:a16="http://schemas.microsoft.com/office/drawing/2014/main" id="{7B9DF6B1-9263-22AA-08F6-4AA1AEF23983}"/>
+              </a:ext>
+            </a:extLst>
+          </p:cNvPr>
+          <p:cNvSpPr txBox="1"/>
+          <p:nvPr/>
+        </p:nvSpPr>
+        <p:spPr>
+          <a:xfrm>
+            <a:off x="4230053" y="7609048"/>
+            <a:ext cx="3199933" cy="369332"/>
+          </a:xfrm>
+          <a:prstGeom prst="rect">
+            <a:avLst/>
+          </a:prstGeom>
+          <a:noFill/>
+        </p:spPr>
+        <p:txBody>
+          <a:bodyPr wrap="square" rtlCol="0">
+            <a:spAutoFit/>
+          </a:bodyPr>
+          <a:lstStyle/>
+          <a:p>
+            <a:r>
+              <a:rPr lang="en-US" dirty="0" err="1"/>
+              <a:t>Encadrent</a:t>
+            </a:r>
+            <a:r>
+              <a:rPr lang="en-US" dirty="0"/>
+              <a:t> : Houda </a:t>
+            </a:r>
+            <a:r>
+              <a:rPr lang="en-US" dirty="0" err="1"/>
+              <a:t>MoutTalib</a:t>
+            </a:r>
+            <a:r>
+              <a:rPr lang="en-US" dirty="0"/>
+              <a:t> </a:t>
+            </a:r>
+            <a:endParaRPr lang="fr-FR" dirty="0"/>
+          </a:p>
+        </p:txBody>
+      </p:sp>
+      <p:sp>
+        <p:nvSpPr>
+          <p:cNvPr id="2" name="Triangle rectangle 1">
+            <a:extLst>
+              <a:ext uri="{FF2B5EF4-FFF2-40B4-BE49-F238E27FC236}">
+                <a16:creationId xmlns:a16="http://schemas.microsoft.com/office/drawing/2014/main" id="{1BC43851-F15D-F268-3F1E-EEE288EFF2C9}"/>
+              </a:ext>
+            </a:extLst>
+          </p:cNvPr>
+          <p:cNvSpPr/>
+          <p:nvPr/>
+        </p:nvSpPr>
+        <p:spPr>
+          <a:xfrm rot="16200000">
+            <a:off x="7360920" y="2026920"/>
+            <a:ext cx="4373880" cy="5288280"/>
+          </a:xfrm>
+          <a:prstGeom prst="rtTriangle">
+            <a:avLst/>
+          </a:prstGeom>
+          <a:solidFill>
+            <a:srgbClr val="2E8B57"/>
+          </a:solidFill>
+          <a:ln>
+            <a:solidFill>
+              <a:srgbClr val="FFF8F2"/>
+            </a:solidFill>
+          </a:ln>
+        </p:spPr>
+        <p:style>
+          <a:lnRef idx="2">
+            <a:schemeClr val="accent1">
+              <a:shade val="15000"/>
+            </a:schemeClr>
+          </a:lnRef>
+          <a:fillRef idx="1">
+            <a:schemeClr val="accent1"/>
+          </a:fillRef>
+          <a:effectRef idx="0">
+            <a:schemeClr val="accent1"/>
+          </a:effectRef>
+          <a:fontRef idx="minor">
+            <a:schemeClr val="lt1"/>
+          </a:fontRef>
+        </p:style>
+        <p:txBody>
+          <a:bodyPr rtlCol="0" anchor="ctr"/>
+          <a:lstStyle/>
+          <a:p>
+            <a:pPr algn="ctr"/>
+            <a:endParaRPr lang="fr-FR"/>
+          </a:p>
+        </p:txBody>
+      </p:sp>
+      <p:sp>
+        <p:nvSpPr>
+          <p:cNvPr id="4" name="ZoneTexte 3">
+            <a:extLst>
+              <a:ext uri="{FF2B5EF4-FFF2-40B4-BE49-F238E27FC236}">
+                <a16:creationId xmlns:a16="http://schemas.microsoft.com/office/drawing/2014/main" id="{97D5C55C-F094-4087-7000-C283260FBC3A}"/>
+              </a:ext>
+            </a:extLst>
+          </p:cNvPr>
+          <p:cNvSpPr txBox="1"/>
+          <p:nvPr/>
+        </p:nvSpPr>
+        <p:spPr>
+          <a:xfrm>
+            <a:off x="894521" y="2275729"/>
+            <a:ext cx="8444617" cy="1938992"/>
+          </a:xfrm>
+          <a:prstGeom prst="rect">
+            <a:avLst/>
+          </a:prstGeom>
+          <a:noFill/>
+        </p:spPr>
+        <p:txBody>
+          <a:bodyPr wrap="square" rtlCol="0">
+            <a:spAutoFit/>
+          </a:bodyPr>
+          <a:lstStyle/>
+          <a:p>
+            <a:pPr algn="ctr"/>
+            <a:r>
+              <a:rPr lang="en-US" sz="6000" b="1" dirty="0"/>
+              <a:t>Merci pour votre attention !</a:t>
+            </a:r>
+            <a:endParaRPr lang="fr-FR" sz="6000" b="1" dirty="0"/>
+          </a:p>
+        </p:txBody>
+      </p:sp>
+    </p:spTree>
+    <p:extLst>
+      <p:ext uri="{BB962C8B-B14F-4D97-AF65-F5344CB8AC3E}">
+        <p14:creationId xmlns:p14="http://schemas.microsoft.com/office/powerpoint/2010/main" val="3987768434"/>
+      </p:ext>
+    </p:extLst>
+  </p:cSld>
+  <p:clrMapOvr>
+    <a:masterClrMapping/>
+  </p:clrMapOvr>
+  <mc:AlternateContent xmlns:mc="http://schemas.openxmlformats.org/markup-compatibility/2006">
+    <mc:Choice xmlns:p159="http://schemas.microsoft.com/office/powerpoint/2015/09/main" Requires="p159">
+      <p:transition xmlns:p14="http://schemas.microsoft.com/office/powerpoint/2010/main" spd="slow" p14:dur="2000">
+        <p159:morph option="byObject"/>
+      </p:transition>
+    </mc:Choice>
+    <mc:Fallback>
+      <p:transition spd="slow">
+        <p:fade/>
+      </p:transition>
+    </mc:Fallback>
+  </mc:AlternateContent>
+</p:sld>
+</file>
+
+<file path=ppt/slides/slide2.xml><?xml version="1.0" encoding="utf-8"?>
+<p:sld xmlns:a="http://schemas.openxmlformats.org/drawingml/2006/main" xmlns:r="http://schemas.openxmlformats.org/officeDocument/2006/relationships" xmlns:p="http://schemas.openxmlformats.org/presentationml/2006/main">
+  <p:cSld>
+    <p:spTree>
+      <p:nvGrpSpPr>
+        <p:cNvPr id="1" name="">
+          <a:extLst>
+            <a:ext uri="{FF2B5EF4-FFF2-40B4-BE49-F238E27FC236}">
+              <a16:creationId xmlns:a16="http://schemas.microsoft.com/office/drawing/2014/main" id="{51240B4F-962D-7384-4C60-6C590A5BD984}"/>
+            </a:ext>
+          </a:extLst>
+        </p:cNvPr>
+        <p:cNvGrpSpPr/>
+        <p:nvPr/>
+      </p:nvGrpSpPr>
+      <p:grpSpPr>
+        <a:xfrm>
+          <a:off x="0" y="0"/>
+          <a:ext cx="0" cy="0"/>
+          <a:chOff x="0" y="0"/>
+          <a:chExt cx="0" cy="0"/>
+        </a:xfrm>
+      </p:grpSpPr>
+      <p:sp>
+        <p:nvSpPr>
+          <p:cNvPr id="13" name="Rectangle 12">
+            <a:extLst>
+              <a:ext uri="{FF2B5EF4-FFF2-40B4-BE49-F238E27FC236}">
+                <a16:creationId xmlns:a16="http://schemas.microsoft.com/office/drawing/2014/main" id="{803283F8-86F9-82CA-2FA7-C905BE248247}"/>
+              </a:ext>
+            </a:extLst>
+          </p:cNvPr>
+          <p:cNvSpPr/>
+          <p:nvPr/>
+        </p:nvSpPr>
+        <p:spPr>
+          <a:xfrm>
+            <a:off x="0" y="0"/>
+            <a:ext cx="12192000" cy="6858000"/>
+          </a:xfrm>
+          <a:prstGeom prst="rect">
+            <a:avLst/>
+          </a:prstGeom>
+          <a:solidFill>
+            <a:srgbClr val="FFF8F2"/>
+          </a:solidFill>
+        </p:spPr>
+        <p:style>
+          <a:lnRef idx="2">
+            <a:schemeClr val="accent1">
+              <a:shade val="15000"/>
+            </a:schemeClr>
+          </a:lnRef>
+          <a:fillRef idx="1">
+            <a:schemeClr val="accent1"/>
+          </a:fillRef>
+          <a:effectRef idx="0">
+            <a:schemeClr val="accent1"/>
+          </a:effectRef>
+          <a:fontRef idx="minor">
+            <a:schemeClr val="lt1"/>
+          </a:fontRef>
+        </p:style>
+        <p:txBody>
+          <a:bodyPr rtlCol="0" anchor="ctr"/>
+          <a:lstStyle/>
+          <a:p>
+            <a:pPr algn="ctr"/>
+            <a:endParaRPr lang="fr-FR"/>
+          </a:p>
+        </p:txBody>
+      </p:sp>
+      <p:sp>
+        <p:nvSpPr>
+          <p:cNvPr id="17" name="ZoneTexte 16">
+            <a:extLst>
+              <a:ext uri="{FF2B5EF4-FFF2-40B4-BE49-F238E27FC236}">
+                <a16:creationId xmlns:a16="http://schemas.microsoft.com/office/drawing/2014/main" id="{095E6A4F-B572-484E-0957-2CD3C2E07E11}"/>
+              </a:ext>
+            </a:extLst>
+          </p:cNvPr>
+          <p:cNvSpPr txBox="1"/>
+          <p:nvPr/>
+        </p:nvSpPr>
+        <p:spPr>
+          <a:xfrm>
+            <a:off x="-5565656" y="5814686"/>
+            <a:ext cx="3250891" cy="707886"/>
+          </a:xfrm>
+          <a:prstGeom prst="rect">
+            <a:avLst/>
+          </a:prstGeom>
+          <a:noFill/>
+        </p:spPr>
+        <p:txBody>
+          <a:bodyPr wrap="square" rtlCol="0">
+            <a:spAutoFit/>
+          </a:bodyPr>
+          <a:lstStyle/>
+          <a:p>
+            <a:r>
+              <a:rPr lang="en-US" sz="2000" dirty="0" err="1"/>
+              <a:t>Realise</a:t>
+            </a:r>
+            <a:r>
+              <a:rPr lang="en-US" sz="2000" dirty="0"/>
+              <a:t> par : Anas KABLAOUI</a:t>
+            </a:r>
+            <a:br>
+              <a:rPr lang="en-US" sz="2000" dirty="0"/>
+            </a:br>
+            <a:r>
+              <a:rPr lang="en-US" sz="2000" dirty="0"/>
+              <a:t> 	      Badr BENHILAL</a:t>
+            </a:r>
+            <a:endParaRPr lang="fr-FR" sz="2000" dirty="0"/>
+          </a:p>
+        </p:txBody>
+      </p:sp>
+      <p:sp>
+        <p:nvSpPr>
+          <p:cNvPr id="18" name="ZoneTexte 17">
+            <a:extLst>
+              <a:ext uri="{FF2B5EF4-FFF2-40B4-BE49-F238E27FC236}">
+                <a16:creationId xmlns:a16="http://schemas.microsoft.com/office/drawing/2014/main" id="{A0789A26-85F3-D13D-828C-DF70FE7E8A68}"/>
+              </a:ext>
+            </a:extLst>
+          </p:cNvPr>
+          <p:cNvSpPr txBox="1"/>
+          <p:nvPr/>
+        </p:nvSpPr>
+        <p:spPr>
+          <a:xfrm>
+            <a:off x="14623266" y="5983963"/>
+            <a:ext cx="3513071" cy="369332"/>
+          </a:xfrm>
+          <a:prstGeom prst="rect">
+            <a:avLst/>
+          </a:prstGeom>
+          <a:noFill/>
+        </p:spPr>
+        <p:txBody>
+          <a:bodyPr wrap="square" rtlCol="0">
+            <a:spAutoFit/>
+          </a:bodyPr>
+          <a:lstStyle/>
+          <a:p>
+            <a:r>
+              <a:rPr lang="en-US" dirty="0"/>
+              <a:t>3IIR Development Web </a:t>
+            </a:r>
+            <a:endParaRPr lang="fr-FR" dirty="0"/>
+          </a:p>
+        </p:txBody>
+      </p:sp>
+      <p:sp>
+        <p:nvSpPr>
+          <p:cNvPr id="19" name="ZoneTexte 18">
+            <a:extLst>
+              <a:ext uri="{FF2B5EF4-FFF2-40B4-BE49-F238E27FC236}">
+                <a16:creationId xmlns:a16="http://schemas.microsoft.com/office/drawing/2014/main" id="{4F1BB1B0-308F-098B-ED27-B6C5BC527F16}"/>
+              </a:ext>
+            </a:extLst>
+          </p:cNvPr>
+          <p:cNvSpPr txBox="1"/>
+          <p:nvPr/>
+        </p:nvSpPr>
+        <p:spPr>
+          <a:xfrm>
+            <a:off x="9127788" y="599720"/>
+            <a:ext cx="3064212" cy="584775"/>
+          </a:xfrm>
+          <a:prstGeom prst="rect">
+            <a:avLst/>
+          </a:prstGeom>
+          <a:noFill/>
+        </p:spPr>
+        <p:txBody>
+          <a:bodyPr wrap="square" rtlCol="0">
+            <a:spAutoFit/>
+          </a:bodyPr>
+          <a:lstStyle/>
+          <a:p>
+            <a:r>
+              <a:rPr lang="en-US" sz="3200" dirty="0">
+                <a:solidFill>
+                  <a:srgbClr val="D9534F"/>
+                </a:solidFill>
+                <a:latin typeface="ADLaM Display" panose="02010000000000000000" pitchFamily="2" charset="0"/>
+                <a:ea typeface="ADLaM Display" panose="02010000000000000000" pitchFamily="2" charset="0"/>
+                <a:cs typeface="ADLaM Display" panose="02010000000000000000" pitchFamily="2" charset="0"/>
+              </a:rPr>
+              <a:t>Gusto &amp; Pane</a:t>
+            </a:r>
+            <a:endParaRPr lang="fr-FR" sz="2000" dirty="0">
+              <a:solidFill>
+                <a:srgbClr val="D9534F"/>
+              </a:solidFill>
+              <a:latin typeface="ADLaM Display" panose="02010000000000000000" pitchFamily="2" charset="0"/>
+              <a:ea typeface="ADLaM Display" panose="02010000000000000000" pitchFamily="2" charset="0"/>
+              <a:cs typeface="ADLaM Display" panose="02010000000000000000" pitchFamily="2" charset="0"/>
+            </a:endParaRPr>
+          </a:p>
+        </p:txBody>
+      </p:sp>
+      <p:sp>
+        <p:nvSpPr>
+          <p:cNvPr id="20" name="ZoneTexte 19">
+            <a:extLst>
+              <a:ext uri="{FF2B5EF4-FFF2-40B4-BE49-F238E27FC236}">
+                <a16:creationId xmlns:a16="http://schemas.microsoft.com/office/drawing/2014/main" id="{E6A16113-1B2F-A878-C440-63722D71B659}"/>
+              </a:ext>
+            </a:extLst>
+          </p:cNvPr>
+          <p:cNvSpPr txBox="1"/>
+          <p:nvPr/>
+        </p:nvSpPr>
+        <p:spPr>
+          <a:xfrm>
+            <a:off x="4230053" y="7609048"/>
+            <a:ext cx="3199933" cy="369332"/>
+          </a:xfrm>
+          <a:prstGeom prst="rect">
+            <a:avLst/>
+          </a:prstGeom>
+          <a:noFill/>
+        </p:spPr>
+        <p:txBody>
+          <a:bodyPr wrap="square" rtlCol="0">
+            <a:spAutoFit/>
+          </a:bodyPr>
+          <a:lstStyle/>
+          <a:p>
+            <a:r>
+              <a:rPr lang="en-US" dirty="0" err="1"/>
+              <a:t>Encadrent</a:t>
+            </a:r>
+            <a:r>
+              <a:rPr lang="en-US" dirty="0"/>
+              <a:t> : Houda </a:t>
+            </a:r>
+            <a:r>
+              <a:rPr lang="en-US" dirty="0" err="1"/>
+              <a:t>MoutTalib</a:t>
+            </a:r>
+            <a:r>
+              <a:rPr lang="en-US" dirty="0"/>
+              <a:t> </a:t>
+            </a:r>
+            <a:endParaRPr lang="fr-FR" dirty="0"/>
+          </a:p>
+        </p:txBody>
+      </p:sp>
+      <p:sp>
+        <p:nvSpPr>
+          <p:cNvPr id="2" name="Triangle rectangle 1">
+            <a:extLst>
+              <a:ext uri="{FF2B5EF4-FFF2-40B4-BE49-F238E27FC236}">
+                <a16:creationId xmlns:a16="http://schemas.microsoft.com/office/drawing/2014/main" id="{9D50D9F0-8B9C-13D1-3975-C2CBE43370AF}"/>
+              </a:ext>
+            </a:extLst>
+          </p:cNvPr>
+          <p:cNvSpPr/>
+          <p:nvPr/>
+        </p:nvSpPr>
+        <p:spPr>
+          <a:xfrm rot="16200000">
+            <a:off x="7360920" y="2026920"/>
+            <a:ext cx="4373880" cy="5288280"/>
+          </a:xfrm>
+          <a:prstGeom prst="rtTriangle">
+            <a:avLst/>
+          </a:prstGeom>
+          <a:solidFill>
+            <a:srgbClr val="2E8B57"/>
+          </a:solidFill>
+          <a:ln>
+            <a:solidFill>
+              <a:srgbClr val="FFF8F2"/>
+            </a:solidFill>
+          </a:ln>
+        </p:spPr>
+        <p:style>
+          <a:lnRef idx="2">
+            <a:schemeClr val="accent1">
+              <a:shade val="15000"/>
+            </a:schemeClr>
+          </a:lnRef>
+          <a:fillRef idx="1">
+            <a:schemeClr val="accent1"/>
+          </a:fillRef>
+          <a:effectRef idx="0">
+            <a:schemeClr val="accent1"/>
+          </a:effectRef>
+          <a:fontRef idx="minor">
+            <a:schemeClr val="lt1"/>
+          </a:fontRef>
+        </p:style>
+        <p:txBody>
+          <a:bodyPr rtlCol="0" anchor="ctr"/>
+          <a:lstStyle/>
+          <a:p>
+            <a:pPr algn="ctr"/>
+            <a:endParaRPr lang="fr-FR"/>
+          </a:p>
+        </p:txBody>
+      </p:sp>
+      <p:sp>
+        <p:nvSpPr>
+          <p:cNvPr id="6" name="ZoneTexte 5">
+            <a:extLst>
+              <a:ext uri="{FF2B5EF4-FFF2-40B4-BE49-F238E27FC236}">
+                <a16:creationId xmlns:a16="http://schemas.microsoft.com/office/drawing/2014/main" id="{68EC5F6E-116A-4341-D7AD-BBF273DC731B}"/>
+              </a:ext>
+            </a:extLst>
+          </p:cNvPr>
+          <p:cNvSpPr txBox="1"/>
+          <p:nvPr/>
+        </p:nvSpPr>
+        <p:spPr>
+          <a:xfrm>
+            <a:off x="686463" y="798409"/>
+            <a:ext cx="5547360" cy="923330"/>
+          </a:xfrm>
+          <a:prstGeom prst="rect">
+            <a:avLst/>
+          </a:prstGeom>
+          <a:noFill/>
+        </p:spPr>
+        <p:txBody>
+          <a:bodyPr wrap="square" rtlCol="0">
+            <a:spAutoFit/>
+          </a:bodyPr>
+          <a:lstStyle/>
+          <a:p>
+            <a:r>
+              <a:rPr lang="en-US" sz="5400" b="1" dirty="0"/>
+              <a:t>Plan :</a:t>
+            </a:r>
+            <a:endParaRPr lang="fr-FR" sz="5400" b="1" dirty="0"/>
+          </a:p>
+        </p:txBody>
+      </p:sp>
+      <p:sp>
+        <p:nvSpPr>
+          <p:cNvPr id="3" name="ZoneTexte 2">
+            <a:extLst>
+              <a:ext uri="{FF2B5EF4-FFF2-40B4-BE49-F238E27FC236}">
+                <a16:creationId xmlns:a16="http://schemas.microsoft.com/office/drawing/2014/main" id="{C306C41B-E0D6-01C3-4E95-820B101EF559}"/>
+              </a:ext>
+            </a:extLst>
+          </p:cNvPr>
+          <p:cNvSpPr txBox="1"/>
+          <p:nvPr/>
+        </p:nvSpPr>
+        <p:spPr>
+          <a:xfrm>
+            <a:off x="964096" y="1987826"/>
+            <a:ext cx="4472608" cy="4524315"/>
+          </a:xfrm>
+          <a:prstGeom prst="rect">
+            <a:avLst/>
+          </a:prstGeom>
+          <a:noFill/>
+        </p:spPr>
+        <p:txBody>
+          <a:bodyPr wrap="square" rtlCol="0">
+            <a:spAutoFit/>
+          </a:bodyPr>
+          <a:lstStyle/>
+          <a:p>
+            <a:pPr marL="285750" indent="-285750">
+              <a:buFont typeface="Arial" panose="020B0604020202020204" pitchFamily="34" charset="0"/>
+              <a:buChar char="•"/>
+            </a:pPr>
+            <a:r>
+              <a:rPr lang="en-US" sz="2400" dirty="0"/>
+              <a:t>Introduction</a:t>
+            </a:r>
+          </a:p>
+          <a:p>
+            <a:pPr marL="285750" indent="-285750">
+              <a:buFont typeface="Arial" panose="020B0604020202020204" pitchFamily="34" charset="0"/>
+              <a:buChar char="•"/>
+            </a:pPr>
+            <a:r>
+              <a:rPr lang="en-US" sz="2400" dirty="0" err="1"/>
+              <a:t>Problematique</a:t>
+            </a:r>
+            <a:endParaRPr lang="en-US" sz="2400" dirty="0"/>
+          </a:p>
+          <a:p>
+            <a:pPr marL="285750" indent="-285750">
+              <a:buFont typeface="Arial" panose="020B0604020202020204" pitchFamily="34" charset="0"/>
+              <a:buChar char="•"/>
+            </a:pPr>
+            <a:r>
+              <a:rPr lang="en-US" sz="2400" dirty="0"/>
+              <a:t>Objectif</a:t>
+            </a:r>
+          </a:p>
+          <a:p>
+            <a:pPr marL="285750" indent="-285750">
+              <a:buFont typeface="Arial" panose="020B0604020202020204" pitchFamily="34" charset="0"/>
+              <a:buChar char="•"/>
+            </a:pPr>
+            <a:r>
+              <a:rPr lang="en-US" sz="2400" dirty="0" err="1"/>
+              <a:t>Fonctionnement</a:t>
+            </a:r>
+            <a:endParaRPr lang="en-US" sz="2400" dirty="0"/>
+          </a:p>
+          <a:p>
+            <a:pPr marL="285750" indent="-285750">
+              <a:buFont typeface="Arial" panose="020B0604020202020204" pitchFamily="34" charset="0"/>
+              <a:buChar char="•"/>
+            </a:pPr>
+            <a:r>
+              <a:rPr lang="en-US" sz="2400" dirty="0"/>
+              <a:t>Technologie utilisee</a:t>
+            </a:r>
+          </a:p>
+          <a:p>
+            <a:pPr marL="285750" indent="-285750">
+              <a:buFont typeface="Arial" panose="020B0604020202020204" pitchFamily="34" charset="0"/>
+              <a:buChar char="•"/>
+            </a:pPr>
+            <a:r>
+              <a:rPr lang="en-US" sz="2400" dirty="0"/>
+              <a:t>Simulation</a:t>
+            </a:r>
+          </a:p>
+          <a:p>
+            <a:pPr marL="285750" indent="-285750">
+              <a:buFont typeface="Arial" panose="020B0604020202020204" pitchFamily="34" charset="0"/>
+              <a:buChar char="•"/>
+            </a:pPr>
+            <a:r>
+              <a:rPr lang="en-US" sz="2400" dirty="0"/>
+              <a:t>Defis </a:t>
+            </a:r>
+            <a:r>
+              <a:rPr lang="en-US" sz="2400" dirty="0" err="1"/>
+              <a:t>rencontrer</a:t>
+            </a:r>
+            <a:endParaRPr lang="en-US" sz="2400" dirty="0"/>
+          </a:p>
+          <a:p>
+            <a:pPr marL="285750" indent="-285750">
+              <a:buFont typeface="Arial" panose="020B0604020202020204" pitchFamily="34" charset="0"/>
+              <a:buChar char="•"/>
+            </a:pPr>
+            <a:r>
+              <a:rPr lang="en-US" sz="2400" dirty="0"/>
+              <a:t>Amelioration possible</a:t>
+            </a:r>
+          </a:p>
+          <a:p>
+            <a:pPr marL="285750" indent="-285750">
+              <a:buFont typeface="Arial" panose="020B0604020202020204" pitchFamily="34" charset="0"/>
+              <a:buChar char="•"/>
+            </a:pPr>
+            <a:r>
+              <a:rPr lang="en-US" sz="2400" dirty="0"/>
+              <a:t>Conclusion.</a:t>
+            </a:r>
+          </a:p>
+          <a:p>
+            <a:pPr marL="285750" indent="-285750">
+              <a:buFont typeface="Arial" panose="020B0604020202020204" pitchFamily="34" charset="0"/>
+              <a:buChar char="•"/>
+            </a:pPr>
+            <a:endParaRPr lang="en-US" dirty="0"/>
+          </a:p>
+          <a:p>
+            <a:pPr marL="285750" indent="-285750">
+              <a:buFont typeface="Arial" panose="020B0604020202020204" pitchFamily="34" charset="0"/>
+              <a:buChar char="•"/>
+            </a:pPr>
+            <a:endParaRPr lang="en-US" dirty="0"/>
+          </a:p>
+          <a:p>
+            <a:pPr marL="285750" indent="-285750">
+              <a:buFont typeface="Arial" panose="020B0604020202020204" pitchFamily="34" charset="0"/>
+              <a:buChar char="•"/>
+            </a:pPr>
+            <a:endParaRPr lang="en-US" dirty="0"/>
+          </a:p>
+          <a:p>
+            <a:pPr marL="285750" indent="-285750">
+              <a:buFont typeface="Arial" panose="020B0604020202020204" pitchFamily="34" charset="0"/>
+              <a:buChar char="•"/>
+            </a:pPr>
+            <a:endParaRPr lang="fr-FR" dirty="0"/>
+          </a:p>
+        </p:txBody>
+      </p:sp>
+    </p:spTree>
+    <p:extLst>
+      <p:ext uri="{BB962C8B-B14F-4D97-AF65-F5344CB8AC3E}">
+        <p14:creationId xmlns:p14="http://schemas.microsoft.com/office/powerpoint/2010/main" val="2159164550"/>
       </p:ext>
     </p:extLst>
   </p:cSld>
@@ -4775,7 +6418,7 @@
         <p:cNvPr id="1" name="">
           <a:extLst>
             <a:ext uri="{FF2B5EF4-FFF2-40B4-BE49-F238E27FC236}">
-              <a16:creationId xmlns:a16="http://schemas.microsoft.com/office/drawing/2014/main" id="{C94169E8-5317-CB03-4327-C308816E0D42}"/>
+              <a16:creationId xmlns:a16="http://schemas.microsoft.com/office/drawing/2014/main" id="{C1BA1926-4A1E-BF59-743E-9270DAD29E71}"/>
             </a:ext>
           </a:extLst>
         </p:cNvPr>
@@ -4795,7 +6438,7 @@
           <p:cNvPr id="13" name="Rectangle 12">
             <a:extLst>
               <a:ext uri="{FF2B5EF4-FFF2-40B4-BE49-F238E27FC236}">
-                <a16:creationId xmlns:a16="http://schemas.microsoft.com/office/drawing/2014/main" id="{5ADE7C22-9194-C871-3565-EF450C472F60}"/>
+                <a16:creationId xmlns:a16="http://schemas.microsoft.com/office/drawing/2014/main" id="{D27E6DD6-DCCB-43BF-B439-FDD98740BA67}"/>
               </a:ext>
             </a:extLst>
           </p:cNvPr>
@@ -4844,7 +6487,7 @@
           <p:cNvPr id="17" name="ZoneTexte 16">
             <a:extLst>
               <a:ext uri="{FF2B5EF4-FFF2-40B4-BE49-F238E27FC236}">
-                <a16:creationId xmlns:a16="http://schemas.microsoft.com/office/drawing/2014/main" id="{B465DB77-5274-A796-D8D9-A0D56231BAB2}"/>
+                <a16:creationId xmlns:a16="http://schemas.microsoft.com/office/drawing/2014/main" id="{9326462D-7996-CA98-EC75-9750F1896F03}"/>
               </a:ext>
             </a:extLst>
           </p:cNvPr>
@@ -4891,7 +6534,7 @@
           <p:cNvPr id="18" name="ZoneTexte 17">
             <a:extLst>
               <a:ext uri="{FF2B5EF4-FFF2-40B4-BE49-F238E27FC236}">
-                <a16:creationId xmlns:a16="http://schemas.microsoft.com/office/drawing/2014/main" id="{529160F2-069E-EEBE-EBC9-EAF8D886A2A5}"/>
+                <a16:creationId xmlns:a16="http://schemas.microsoft.com/office/drawing/2014/main" id="{50325B00-2C62-174E-C9FF-27750799956B}"/>
               </a:ext>
             </a:extLst>
           </p:cNvPr>
@@ -4927,7 +6570,7 @@
           <p:cNvPr id="19" name="ZoneTexte 18">
             <a:extLst>
               <a:ext uri="{FF2B5EF4-FFF2-40B4-BE49-F238E27FC236}">
-                <a16:creationId xmlns:a16="http://schemas.microsoft.com/office/drawing/2014/main" id="{3439980C-A5AC-8A0F-23DE-47E31D1EA8DA}"/>
+                <a16:creationId xmlns:a16="http://schemas.microsoft.com/office/drawing/2014/main" id="{AD0BC0ED-BF0C-3751-7A13-23DF458F5A30}"/>
               </a:ext>
             </a:extLst>
           </p:cNvPr>
@@ -4936,7 +6579,7 @@
         </p:nvSpPr>
         <p:spPr>
           <a:xfrm>
-            <a:off x="555774" y="607755"/>
+            <a:off x="9127788" y="599720"/>
             <a:ext cx="3064212" cy="584775"/>
           </a:xfrm>
           <a:prstGeom prst="rect">
@@ -4977,7 +6620,7 @@
           <p:cNvPr id="20" name="ZoneTexte 19">
             <a:extLst>
               <a:ext uri="{FF2B5EF4-FFF2-40B4-BE49-F238E27FC236}">
-                <a16:creationId xmlns:a16="http://schemas.microsoft.com/office/drawing/2014/main" id="{3173773B-3F23-607B-07AD-EC183A774CCD}"/>
+                <a16:creationId xmlns:a16="http://schemas.microsoft.com/office/drawing/2014/main" id="{5B8C5E3A-7B98-CB82-AE90-33F9BB4ACB28}"/>
               </a:ext>
             </a:extLst>
           </p:cNvPr>
@@ -5025,7 +6668,7 @@
           <p:cNvPr id="2" name="Triangle rectangle 1">
             <a:extLst>
               <a:ext uri="{FF2B5EF4-FFF2-40B4-BE49-F238E27FC236}">
-                <a16:creationId xmlns:a16="http://schemas.microsoft.com/office/drawing/2014/main" id="{22710BBF-1672-D18D-35BB-4711F318E6BF}"/>
+                <a16:creationId xmlns:a16="http://schemas.microsoft.com/office/drawing/2014/main" id="{B3A92129-2564-F0D6-FCBC-4ED4361697C6}"/>
               </a:ext>
             </a:extLst>
           </p:cNvPr>
@@ -5076,10 +6719,10 @@
       </p:sp>
       <p:sp>
         <p:nvSpPr>
-          <p:cNvPr id="6" name="ZoneTexte 5">
-            <a:extLst>
-              <a:ext uri="{FF2B5EF4-FFF2-40B4-BE49-F238E27FC236}">
-                <a16:creationId xmlns:a16="http://schemas.microsoft.com/office/drawing/2014/main" id="{3B12D89D-632D-AAC5-6C37-35D2B560F166}"/>
+          <p:cNvPr id="4" name="ZoneTexte 3">
+            <a:extLst>
+              <a:ext uri="{FF2B5EF4-FFF2-40B4-BE49-F238E27FC236}">
+                <a16:creationId xmlns:a16="http://schemas.microsoft.com/office/drawing/2014/main" id="{6613B032-7B9C-E459-C1D8-48000145ECFB}"/>
               </a:ext>
             </a:extLst>
           </p:cNvPr>
@@ -5088,8 +6731,8 @@
         </p:nvSpPr>
         <p:spPr>
           <a:xfrm>
-            <a:off x="1249680" y="2179320"/>
-            <a:ext cx="6385560" cy="2031325"/>
+            <a:off x="775251" y="1898899"/>
+            <a:ext cx="9253332" cy="3539430"/>
           </a:xfrm>
           <a:prstGeom prst="rect">
             <a:avLst/>
@@ -5103,131 +6746,66 @@
           <a:lstStyle/>
           <a:p>
             <a:r>
-              <a:rPr lang="en-US" dirty="0" err="1"/>
-              <a:t>L’objectife</a:t>
-            </a:r>
-            <a:r>
-              <a:rPr lang="en-US" dirty="0"/>
-              <a:t> de </a:t>
-            </a:r>
-            <a:r>
-              <a:rPr lang="en-US" dirty="0" err="1"/>
-              <a:t>notre</a:t>
-            </a:r>
-            <a:r>
-              <a:rPr lang="en-US" dirty="0"/>
-              <a:t> application :</a:t>
+              <a:rPr lang="fr-FR" sz="2800" dirty="0"/>
+              <a:t>Ce projet consiste à développer une application web de gestion de restaurant.</a:t>
             </a:r>
             <a:br>
-              <a:rPr lang="en-US" dirty="0"/>
+              <a:rPr lang="fr-FR" sz="2800" dirty="0"/>
             </a:br>
             <a:r>
-              <a:rPr lang="en-US" dirty="0"/>
-              <a:t>		</a:t>
-            </a:r>
-          </a:p>
-          <a:p>
-            <a:r>
-              <a:rPr lang="en-US" dirty="0"/>
-              <a:t>		-Gestion </a:t>
-            </a:r>
-            <a:r>
-              <a:rPr lang="en-US" dirty="0" err="1"/>
-              <a:t>automatiser</a:t>
-            </a:r>
-            <a:r>
-              <a:rPr lang="en-US" dirty="0"/>
-              <a:t> du restaurant</a:t>
+              <a:rPr lang="fr-FR" sz="2800" dirty="0"/>
+              <a:t>L’objectif est de faciliter la gestion des stocks, des recettes et des dépenses à travers une interface d’administration simple et intuitive.</a:t>
             </a:r>
             <a:br>
-              <a:rPr lang="en-US" dirty="0"/>
+              <a:rPr lang="fr-FR" sz="2800" dirty="0"/>
             </a:br>
             <a:r>
-              <a:rPr lang="en-US" dirty="0"/>
-              <a:t>		-Gestion des </a:t>
-            </a:r>
-            <a:r>
-              <a:rPr lang="en-US" dirty="0" err="1"/>
-              <a:t>donnes</a:t>
-            </a:r>
-            <a:r>
-              <a:rPr lang="en-US" dirty="0"/>
-              <a:t>  via un interface admin</a:t>
-            </a:r>
-          </a:p>
-          <a:p>
-            <a:r>
-              <a:rPr lang="en-US" dirty="0"/>
-              <a:t>		-</a:t>
-            </a:r>
-            <a:r>
-              <a:rPr lang="en-US" dirty="0" err="1"/>
-              <a:t>Avoir</a:t>
-            </a:r>
-            <a:r>
-              <a:rPr lang="en-US" dirty="0"/>
-              <a:t> des </a:t>
-            </a:r>
-            <a:r>
-              <a:rPr lang="en-US" dirty="0" err="1"/>
-              <a:t>statistique</a:t>
-            </a:r>
-            <a:r>
-              <a:rPr lang="en-US" dirty="0"/>
-              <a:t> sous </a:t>
-            </a:r>
-            <a:r>
-              <a:rPr lang="en-US" dirty="0" err="1"/>
-              <a:t>forme</a:t>
-            </a:r>
-            <a:r>
-              <a:rPr lang="en-US" dirty="0"/>
-              <a:t> de graph</a:t>
-            </a:r>
-          </a:p>
-          <a:p>
-            <a:r>
-              <a:rPr lang="en-US" dirty="0"/>
-              <a:t>		-</a:t>
-            </a:r>
-            <a:r>
-              <a:rPr lang="en-US" dirty="0" err="1"/>
-              <a:t>securiser</a:t>
-            </a:r>
-            <a:r>
-              <a:rPr lang="en-US" dirty="0"/>
-              <a:t> </a:t>
-            </a:r>
-            <a:r>
-              <a:rPr lang="en-US" dirty="0" err="1"/>
-              <a:t>l’acces</a:t>
-            </a:r>
-            <a:r>
-              <a:rPr lang="en-US" dirty="0"/>
-              <a:t> par </a:t>
-            </a:r>
-            <a:r>
-              <a:rPr lang="en-US" dirty="0" err="1"/>
-              <a:t>l’authentification</a:t>
-            </a:r>
-            <a:r>
-              <a:rPr lang="en-US" dirty="0"/>
-              <a:t> </a:t>
-            </a:r>
-          </a:p>
-          <a:p>
-            <a:r>
-              <a:rPr lang="en-US" dirty="0"/>
-              <a:t> </a:t>
-            </a:r>
-            <a:endParaRPr lang="fr-FR" dirty="0"/>
+              <a:rPr lang="fr-FR" sz="2800" dirty="0"/>
+              <a:t>L’application permet également de visualiser les données sous forme de graphiques afin d’aider à la prise de décision et d’améliorer l’organisation du restaurant</a:t>
+            </a:r>
+          </a:p>
+        </p:txBody>
+      </p:sp>
+      <p:sp>
+        <p:nvSpPr>
+          <p:cNvPr id="6" name="ZoneTexte 5">
+            <a:extLst>
+              <a:ext uri="{FF2B5EF4-FFF2-40B4-BE49-F238E27FC236}">
+                <a16:creationId xmlns:a16="http://schemas.microsoft.com/office/drawing/2014/main" id="{A37E436B-E273-564E-B66B-2FC2497227D8}"/>
+              </a:ext>
+            </a:extLst>
+          </p:cNvPr>
+          <p:cNvSpPr txBox="1"/>
+          <p:nvPr/>
+        </p:nvSpPr>
+        <p:spPr>
+          <a:xfrm>
+            <a:off x="686463" y="798409"/>
+            <a:ext cx="5547360" cy="923330"/>
+          </a:xfrm>
+          <a:prstGeom prst="rect">
+            <a:avLst/>
+          </a:prstGeom>
+          <a:noFill/>
+        </p:spPr>
+        <p:txBody>
+          <a:bodyPr wrap="square" rtlCol="0">
+            <a:spAutoFit/>
+          </a:bodyPr>
+          <a:lstStyle/>
+          <a:p>
+            <a:r>
+              <a:rPr lang="en-US" sz="5400" b="1" dirty="0"/>
+              <a:t>Introduction :</a:t>
+            </a:r>
+            <a:endParaRPr lang="fr-FR" sz="5400" b="1" dirty="0"/>
           </a:p>
         </p:txBody>
       </p:sp>
     </p:spTree>
     <p:extLst>
       <p:ext uri="{BB962C8B-B14F-4D97-AF65-F5344CB8AC3E}">
-        <p14:creationId xmlns:p14="http://schemas.microsoft.com/office/powerpoint/2010/main" val="196469103"/>
+        <p14:creationId xmlns:p14="http://schemas.microsoft.com/office/powerpoint/2010/main" val="4172238343"/>
       </p:ext>
     </p:extLst>
   </p:cSld>
@@ -5257,7 +6835,7 @@
         <p:cNvPr id="1" name="">
           <a:extLst>
             <a:ext uri="{FF2B5EF4-FFF2-40B4-BE49-F238E27FC236}">
-              <a16:creationId xmlns:a16="http://schemas.microsoft.com/office/drawing/2014/main" id="{0D4AB56E-6F6E-A5AC-F88B-75DBF011C0E7}"/>
+              <a16:creationId xmlns:a16="http://schemas.microsoft.com/office/drawing/2014/main" id="{EFB58306-460E-AA36-06C1-3718C6B21988}"/>
             </a:ext>
           </a:extLst>
         </p:cNvPr>
@@ -5277,7 +6855,7 @@
           <p:cNvPr id="13" name="Rectangle 12">
             <a:extLst>
               <a:ext uri="{FF2B5EF4-FFF2-40B4-BE49-F238E27FC236}">
-                <a16:creationId xmlns:a16="http://schemas.microsoft.com/office/drawing/2014/main" id="{65F69BFC-B17E-C151-45C2-25436718C4D4}"/>
+                <a16:creationId xmlns:a16="http://schemas.microsoft.com/office/drawing/2014/main" id="{F083B887-D748-4659-3008-9C19B47F4E07}"/>
               </a:ext>
             </a:extLst>
           </p:cNvPr>
@@ -5326,7 +6904,7 @@
           <p:cNvPr id="17" name="ZoneTexte 16">
             <a:extLst>
               <a:ext uri="{FF2B5EF4-FFF2-40B4-BE49-F238E27FC236}">
-                <a16:creationId xmlns:a16="http://schemas.microsoft.com/office/drawing/2014/main" id="{92704A17-4DE5-65ED-ABB3-E39D4DE134DC}"/>
+                <a16:creationId xmlns:a16="http://schemas.microsoft.com/office/drawing/2014/main" id="{0A1CD326-E68F-8CC1-01F9-02BDA271D580}"/>
               </a:ext>
             </a:extLst>
           </p:cNvPr>
@@ -5373,7 +6951,7 @@
           <p:cNvPr id="18" name="ZoneTexte 17">
             <a:extLst>
               <a:ext uri="{FF2B5EF4-FFF2-40B4-BE49-F238E27FC236}">
-                <a16:creationId xmlns:a16="http://schemas.microsoft.com/office/drawing/2014/main" id="{90C06195-C1BB-BE7A-74E0-C7A94B097C6B}"/>
+                <a16:creationId xmlns:a16="http://schemas.microsoft.com/office/drawing/2014/main" id="{D1929CB1-2EF4-5FCA-4C88-FAF2E492CFAE}"/>
               </a:ext>
             </a:extLst>
           </p:cNvPr>
@@ -5409,7 +6987,7 @@
           <p:cNvPr id="19" name="ZoneTexte 18">
             <a:extLst>
               <a:ext uri="{FF2B5EF4-FFF2-40B4-BE49-F238E27FC236}">
-                <a16:creationId xmlns:a16="http://schemas.microsoft.com/office/drawing/2014/main" id="{B80B5498-EF6C-6DBB-A2B2-5067DB055738}"/>
+                <a16:creationId xmlns:a16="http://schemas.microsoft.com/office/drawing/2014/main" id="{635FD769-3A83-F363-A8BC-31CF0E9BF13C}"/>
               </a:ext>
             </a:extLst>
           </p:cNvPr>
@@ -5418,7 +6996,7 @@
         </p:nvSpPr>
         <p:spPr>
           <a:xfrm>
-            <a:off x="555774" y="607755"/>
+            <a:off x="9127788" y="599720"/>
             <a:ext cx="3064212" cy="584775"/>
           </a:xfrm>
           <a:prstGeom prst="rect">
@@ -5459,7 +7037,7 @@
           <p:cNvPr id="20" name="ZoneTexte 19">
             <a:extLst>
               <a:ext uri="{FF2B5EF4-FFF2-40B4-BE49-F238E27FC236}">
-                <a16:creationId xmlns:a16="http://schemas.microsoft.com/office/drawing/2014/main" id="{8595B29A-6D0A-1F4A-0423-777C5F51F94A}"/>
+                <a16:creationId xmlns:a16="http://schemas.microsoft.com/office/drawing/2014/main" id="{14C32CDC-95E8-BBF9-54F8-AD02055DE758}"/>
               </a:ext>
             </a:extLst>
           </p:cNvPr>
@@ -5507,7 +7085,7 @@
           <p:cNvPr id="2" name="Triangle rectangle 1">
             <a:extLst>
               <a:ext uri="{FF2B5EF4-FFF2-40B4-BE49-F238E27FC236}">
-                <a16:creationId xmlns:a16="http://schemas.microsoft.com/office/drawing/2014/main" id="{3EFBF159-505D-A517-7558-5900EEC648C5}"/>
+                <a16:creationId xmlns:a16="http://schemas.microsoft.com/office/drawing/2014/main" id="{8B2618D5-2B97-CC19-B290-2890018B7922}"/>
               </a:ext>
             </a:extLst>
           </p:cNvPr>
@@ -5561,7 +7139,7 @@
           <p:cNvPr id="4" name="ZoneTexte 3">
             <a:extLst>
               <a:ext uri="{FF2B5EF4-FFF2-40B4-BE49-F238E27FC236}">
-                <a16:creationId xmlns:a16="http://schemas.microsoft.com/office/drawing/2014/main" id="{5522397B-12CB-7D6E-E0A5-00C855AD6E09}"/>
+                <a16:creationId xmlns:a16="http://schemas.microsoft.com/office/drawing/2014/main" id="{EF0B3717-0AD2-1466-685A-E6DAED018A55}"/>
               </a:ext>
             </a:extLst>
           </p:cNvPr>
@@ -5570,8 +7148,8 @@
         </p:nvSpPr>
         <p:spPr>
           <a:xfrm>
-            <a:off x="1298481" y="2087880"/>
-            <a:ext cx="6347946" cy="2585323"/>
+            <a:off x="834887" y="1935543"/>
+            <a:ext cx="8755202" cy="2554545"/>
           </a:xfrm>
           <a:prstGeom prst="rect">
             <a:avLst/>
@@ -5584,86 +7162,122 @@
           </a:bodyPr>
           <a:lstStyle/>
           <a:p>
-            <a:r>
-              <a:rPr lang="en-US" dirty="0"/>
-              <a:t>Notre Application </a:t>
-            </a:r>
-            <a:r>
-              <a:rPr lang="en-US" dirty="0" err="1"/>
-              <a:t>contient</a:t>
-            </a:r>
-            <a:r>
-              <a:rPr lang="en-US" dirty="0"/>
+            <a:pPr marL="285750" indent="-285750" algn="just">
+              <a:buFont typeface="Arial" panose="020B0604020202020204" pitchFamily="34" charset="0"/>
+              <a:buChar char="•"/>
+            </a:pPr>
+            <a:r>
+              <a:rPr lang="en-US" sz="3200" dirty="0"/>
+              <a:t>Gestion Manuelle des stocks, menu, employe </a:t>
+            </a:r>
+            <a:r>
+              <a:rPr lang="en-US" sz="3200" dirty="0" err="1"/>
+              <a:t>comptabilite</a:t>
+            </a:r>
+            <a:r>
+              <a:rPr lang="en-US" sz="3200" dirty="0"/>
+              <a:t> … </a:t>
+            </a:r>
+          </a:p>
+          <a:p>
+            <a:pPr marL="285750" indent="-285750" algn="just">
+              <a:buFont typeface="Arial" panose="020B0604020202020204" pitchFamily="34" charset="0"/>
+              <a:buChar char="•"/>
+            </a:pPr>
+            <a:r>
+              <a:rPr lang="en-US" sz="3200" dirty="0"/>
+              <a:t>Suivi des </a:t>
+            </a:r>
+            <a:r>
+              <a:rPr lang="en-US" sz="3200" dirty="0" err="1"/>
+              <a:t>Recette</a:t>
+            </a:r>
+            <a:r>
+              <a:rPr lang="en-US" sz="3200" dirty="0"/>
+              <a:t> et </a:t>
+            </a:r>
+            <a:r>
+              <a:rPr lang="en-US" sz="3200" dirty="0" err="1"/>
+              <a:t>depense</a:t>
+            </a:r>
+            <a:r>
+              <a:rPr lang="en-US" sz="3200" dirty="0"/>
+              <a:t> et </a:t>
+            </a:r>
+            <a:r>
+              <a:rPr lang="en-US" sz="3200" dirty="0" err="1"/>
+              <a:t>Rapporyt</a:t>
+            </a:r>
+            <a:r>
+              <a:rPr lang="en-US" sz="3200" dirty="0"/>
+              <a:t> </a:t>
+            </a:r>
+            <a:r>
+              <a:rPr lang="en-US" sz="3200" dirty="0" err="1"/>
+              <a:t>economique</a:t>
+            </a:r>
+            <a:r>
+              <a:rPr lang="en-US" sz="3200" dirty="0"/>
+              <a:t> difficile .</a:t>
+            </a:r>
+          </a:p>
+          <a:p>
+            <a:pPr marL="285750" indent="-285750" algn="just">
+              <a:buFont typeface="Arial" panose="020B0604020202020204" pitchFamily="34" charset="0"/>
+              <a:buChar char="•"/>
+            </a:pPr>
+            <a:r>
+              <a:rPr lang="en-US" sz="3200" dirty="0"/>
+              <a:t>manque de statistique claire.</a:t>
+            </a:r>
+            <a:endParaRPr lang="fr-FR" sz="3200" dirty="0"/>
+          </a:p>
+        </p:txBody>
+      </p:sp>
+      <p:sp>
+        <p:nvSpPr>
+          <p:cNvPr id="6" name="ZoneTexte 5">
+            <a:extLst>
+              <a:ext uri="{FF2B5EF4-FFF2-40B4-BE49-F238E27FC236}">
+                <a16:creationId xmlns:a16="http://schemas.microsoft.com/office/drawing/2014/main" id="{04EFE4D6-FCFA-2745-A60D-95DA230E0868}"/>
+              </a:ext>
+            </a:extLst>
+          </p:cNvPr>
+          <p:cNvSpPr txBox="1"/>
+          <p:nvPr/>
+        </p:nvSpPr>
+        <p:spPr>
+          <a:xfrm>
+            <a:off x="686463" y="798409"/>
+            <a:ext cx="5547360" cy="923330"/>
+          </a:xfrm>
+          <a:prstGeom prst="rect">
+            <a:avLst/>
+          </a:prstGeom>
+          <a:noFill/>
+        </p:spPr>
+        <p:txBody>
+          <a:bodyPr wrap="square" rtlCol="0">
+            <a:spAutoFit/>
+          </a:bodyPr>
+          <a:lstStyle/>
+          <a:p>
+            <a:r>
+              <a:rPr lang="en-US" sz="5400" b="1" dirty="0" err="1"/>
+              <a:t>Problematique</a:t>
+            </a:r>
+            <a:r>
+              <a:rPr lang="en-US" sz="5400" b="1" dirty="0"/>
               <a:t> :</a:t>
             </a:r>
-            <a:br>
-              <a:rPr lang="en-US" dirty="0"/>
-            </a:br>
-            <a:r>
-              <a:rPr lang="en-US" dirty="0"/>
-              <a:t>	</a:t>
-            </a:r>
-          </a:p>
-          <a:p>
-            <a:r>
-              <a:rPr lang="en-US" dirty="0"/>
-              <a:t>	-La gestion de 5 </a:t>
-            </a:r>
-            <a:r>
-              <a:rPr lang="en-US" dirty="0" err="1"/>
-              <a:t>entite</a:t>
-            </a:r>
-            <a:r>
-              <a:rPr lang="en-US" dirty="0"/>
-              <a:t> Crud</a:t>
-            </a:r>
-          </a:p>
-          <a:p>
-            <a:r>
-              <a:rPr lang="en-US" dirty="0"/>
-              <a:t> 		.Stocks</a:t>
-            </a:r>
-          </a:p>
-          <a:p>
-            <a:r>
-              <a:rPr lang="en-US" dirty="0"/>
-              <a:t> 		.Restaurants</a:t>
-            </a:r>
-            <a:endParaRPr lang="fr-FR" dirty="0"/>
-          </a:p>
-          <a:p>
-            <a:r>
-              <a:rPr lang="en-US" dirty="0"/>
-              <a:t> 		.Menu</a:t>
-            </a:r>
-            <a:endParaRPr lang="fr-FR" dirty="0"/>
-          </a:p>
-          <a:p>
-            <a:r>
-              <a:rPr lang="en-US" dirty="0"/>
-              <a:t> 		.Reservation	</a:t>
-            </a:r>
-            <a:endParaRPr lang="fr-FR" dirty="0"/>
-          </a:p>
-          <a:p>
-            <a:r>
-              <a:rPr lang="en-US" dirty="0"/>
-              <a:t> 		.Employes</a:t>
-            </a:r>
-            <a:endParaRPr lang="fr-FR" dirty="0"/>
-          </a:p>
-          <a:p>
-            <a:r>
-              <a:rPr lang="fr-FR" dirty="0"/>
-              <a:t>	-des tableaux de bords statistiques </a:t>
-            </a:r>
+            <a:endParaRPr lang="fr-FR" sz="5400" b="1" dirty="0"/>
           </a:p>
         </p:txBody>
       </p:sp>
     </p:spTree>
     <p:extLst>
       <p:ext uri="{BB962C8B-B14F-4D97-AF65-F5344CB8AC3E}">
-        <p14:creationId xmlns:p14="http://schemas.microsoft.com/office/powerpoint/2010/main" val="2979484380"/>
+        <p14:creationId xmlns:p14="http://schemas.microsoft.com/office/powerpoint/2010/main" val="2489493678"/>
       </p:ext>
     </p:extLst>
   </p:cSld>
@@ -5693,7 +7307,7 @@
         <p:cNvPr id="1" name="">
           <a:extLst>
             <a:ext uri="{FF2B5EF4-FFF2-40B4-BE49-F238E27FC236}">
-              <a16:creationId xmlns:a16="http://schemas.microsoft.com/office/drawing/2014/main" id="{C68D0FA9-724A-B148-9E05-BEE657708AFD}"/>
+              <a16:creationId xmlns:a16="http://schemas.microsoft.com/office/drawing/2014/main" id="{C94169E8-5317-CB03-4327-C308816E0D42}"/>
             </a:ext>
           </a:extLst>
         </p:cNvPr>
@@ -5713,7 +7327,7 @@
           <p:cNvPr id="13" name="Rectangle 12">
             <a:extLst>
               <a:ext uri="{FF2B5EF4-FFF2-40B4-BE49-F238E27FC236}">
-                <a16:creationId xmlns:a16="http://schemas.microsoft.com/office/drawing/2014/main" id="{F0051E20-1258-D1BE-50C9-761A316A3968}"/>
+                <a16:creationId xmlns:a16="http://schemas.microsoft.com/office/drawing/2014/main" id="{5ADE7C22-9194-C871-3565-EF450C472F60}"/>
               </a:ext>
             </a:extLst>
           </p:cNvPr>
@@ -5762,7 +7376,7 @@
           <p:cNvPr id="17" name="ZoneTexte 16">
             <a:extLst>
               <a:ext uri="{FF2B5EF4-FFF2-40B4-BE49-F238E27FC236}">
-                <a16:creationId xmlns:a16="http://schemas.microsoft.com/office/drawing/2014/main" id="{0876F711-FCE7-72F1-4C93-5BD290F369AE}"/>
+                <a16:creationId xmlns:a16="http://schemas.microsoft.com/office/drawing/2014/main" id="{B465DB77-5274-A796-D8D9-A0D56231BAB2}"/>
               </a:ext>
             </a:extLst>
           </p:cNvPr>
@@ -5809,7 +7423,7 @@
           <p:cNvPr id="18" name="ZoneTexte 17">
             <a:extLst>
               <a:ext uri="{FF2B5EF4-FFF2-40B4-BE49-F238E27FC236}">
-                <a16:creationId xmlns:a16="http://schemas.microsoft.com/office/drawing/2014/main" id="{39769FA2-8601-D3EF-FC74-EA92A8A72C75}"/>
+                <a16:creationId xmlns:a16="http://schemas.microsoft.com/office/drawing/2014/main" id="{529160F2-069E-EEBE-EBC9-EAF8D886A2A5}"/>
               </a:ext>
             </a:extLst>
           </p:cNvPr>
@@ -5845,7 +7459,7 @@
           <p:cNvPr id="19" name="ZoneTexte 18">
             <a:extLst>
               <a:ext uri="{FF2B5EF4-FFF2-40B4-BE49-F238E27FC236}">
-                <a16:creationId xmlns:a16="http://schemas.microsoft.com/office/drawing/2014/main" id="{A43AB168-364E-8567-E992-88A1E869C745}"/>
+                <a16:creationId xmlns:a16="http://schemas.microsoft.com/office/drawing/2014/main" id="{3439980C-A5AC-8A0F-23DE-47E31D1EA8DA}"/>
               </a:ext>
             </a:extLst>
           </p:cNvPr>
@@ -5854,7 +7468,7 @@
         </p:nvSpPr>
         <p:spPr>
           <a:xfrm>
-            <a:off x="555774" y="607755"/>
+            <a:off x="8924522" y="657284"/>
             <a:ext cx="3064212" cy="584775"/>
           </a:xfrm>
           <a:prstGeom prst="rect">
@@ -5895,7 +7509,7 @@
           <p:cNvPr id="20" name="ZoneTexte 19">
             <a:extLst>
               <a:ext uri="{FF2B5EF4-FFF2-40B4-BE49-F238E27FC236}">
-                <a16:creationId xmlns:a16="http://schemas.microsoft.com/office/drawing/2014/main" id="{80604FAC-7B77-4318-EA2C-558C521975F7}"/>
+                <a16:creationId xmlns:a16="http://schemas.microsoft.com/office/drawing/2014/main" id="{3173773B-3F23-607B-07AD-EC183A774CCD}"/>
               </a:ext>
             </a:extLst>
           </p:cNvPr>
@@ -5943,7 +7557,7 @@
           <p:cNvPr id="2" name="Triangle rectangle 1">
             <a:extLst>
               <a:ext uri="{FF2B5EF4-FFF2-40B4-BE49-F238E27FC236}">
-                <a16:creationId xmlns:a16="http://schemas.microsoft.com/office/drawing/2014/main" id="{F6C06E9E-B687-B361-801E-0EED7BD47333}"/>
+                <a16:creationId xmlns:a16="http://schemas.microsoft.com/office/drawing/2014/main" id="{22710BBF-1672-D18D-35BB-4711F318E6BF}"/>
               </a:ext>
             </a:extLst>
           </p:cNvPr>
@@ -5994,10 +7608,10 @@
       </p:sp>
       <p:sp>
         <p:nvSpPr>
-          <p:cNvPr id="4" name="ZoneTexte 3">
-            <a:extLst>
-              <a:ext uri="{FF2B5EF4-FFF2-40B4-BE49-F238E27FC236}">
-                <a16:creationId xmlns:a16="http://schemas.microsoft.com/office/drawing/2014/main" id="{61C9743C-6F5A-5095-F103-286A0FE66E33}"/>
+          <p:cNvPr id="6" name="ZoneTexte 5">
+            <a:extLst>
+              <a:ext uri="{FF2B5EF4-FFF2-40B4-BE49-F238E27FC236}">
+                <a16:creationId xmlns:a16="http://schemas.microsoft.com/office/drawing/2014/main" id="{3B12D89D-632D-AAC5-6C37-35D2B560F166}"/>
               </a:ext>
             </a:extLst>
           </p:cNvPr>
@@ -6006,8 +7620,8 @@
         </p:nvSpPr>
         <p:spPr>
           <a:xfrm>
-            <a:off x="1298481" y="2087880"/>
-            <a:ext cx="6347946" cy="1754326"/>
+            <a:off x="894523" y="2305615"/>
+            <a:ext cx="6899744" cy="2246769"/>
           </a:xfrm>
           <a:prstGeom prst="rect">
             <a:avLst/>
@@ -6021,54 +7635,138 @@
           <a:lstStyle/>
           <a:p>
             <a:r>
-              <a:rPr lang="en-US" dirty="0"/>
-              <a:t>La </a:t>
-            </a:r>
-            <a:r>
-              <a:rPr lang="en-US" dirty="0" err="1"/>
-              <a:t>technologie</a:t>
-            </a:r>
-            <a:r>
-              <a:rPr lang="en-US" dirty="0"/>
-              <a:t> utilize:</a:t>
+              <a:rPr lang="en-US" sz="2800" dirty="0"/>
+              <a:t>-Gestion </a:t>
+            </a:r>
+            <a:r>
+              <a:rPr lang="en-US" sz="2800" dirty="0" err="1"/>
+              <a:t>automatiser</a:t>
+            </a:r>
+            <a:r>
+              <a:rPr lang="en-US" sz="2800" dirty="0"/>
+              <a:t> du restaurant</a:t>
             </a:r>
             <a:br>
-              <a:rPr lang="en-US" dirty="0"/>
+              <a:rPr lang="en-US" sz="2800" dirty="0"/>
             </a:br>
-            <a:br>
-              <a:rPr lang="en-US" dirty="0"/>
-            </a:br>
-            <a:r>
-              <a:rPr lang="en-US" dirty="0"/>
-              <a:t>	Html5</a:t>
-            </a:r>
-          </a:p>
-          <a:p>
-            <a:r>
-              <a:rPr lang="en-US" dirty="0"/>
-              <a:t>	Css3</a:t>
-            </a:r>
-            <a:br>
-              <a:rPr lang="en-US" dirty="0"/>
-            </a:br>
-            <a:r>
-              <a:rPr lang="en-US" dirty="0"/>
-              <a:t>	Java Script ES6+</a:t>
-            </a:r>
-          </a:p>
-          <a:p>
-            <a:r>
-              <a:rPr lang="en-US" dirty="0"/>
-              <a:t>	Chart.js</a:t>
-            </a:r>
-            <a:endParaRPr lang="fr-FR" dirty="0"/>
+            <a:r>
+              <a:rPr lang="en-US" sz="2800" dirty="0"/>
+              <a:t>-Gestion des </a:t>
+            </a:r>
+            <a:r>
+              <a:rPr lang="en-US" sz="2800" dirty="0" err="1"/>
+              <a:t>donnes</a:t>
+            </a:r>
+            <a:r>
+              <a:rPr lang="en-US" sz="2800" dirty="0"/>
+              <a:t>  via un interface admin</a:t>
+            </a:r>
+          </a:p>
+          <a:p>
+            <a:r>
+              <a:rPr lang="en-US" sz="2800" dirty="0"/>
+              <a:t>-</a:t>
+            </a:r>
+            <a:r>
+              <a:rPr lang="en-US" sz="2800" dirty="0" err="1"/>
+              <a:t>Avoir</a:t>
+            </a:r>
+            <a:r>
+              <a:rPr lang="en-US" sz="2800" dirty="0"/>
+              <a:t> des statistique sous </a:t>
+            </a:r>
+            <a:r>
+              <a:rPr lang="en-US" sz="2800" dirty="0" err="1"/>
+              <a:t>forme</a:t>
+            </a:r>
+            <a:r>
+              <a:rPr lang="en-US" sz="2800" dirty="0"/>
+              <a:t> de graph</a:t>
+            </a:r>
+          </a:p>
+          <a:p>
+            <a:r>
+              <a:rPr lang="en-US" sz="2800" dirty="0"/>
+              <a:t>-</a:t>
+            </a:r>
+            <a:r>
+              <a:rPr lang="en-US" sz="2800" dirty="0" err="1"/>
+              <a:t>securiser</a:t>
+            </a:r>
+            <a:r>
+              <a:rPr lang="en-US" sz="2800" dirty="0"/>
+              <a:t> </a:t>
+            </a:r>
+            <a:r>
+              <a:rPr lang="en-US" sz="2800" dirty="0" err="1"/>
+              <a:t>l’acces</a:t>
+            </a:r>
+            <a:r>
+              <a:rPr lang="en-US" sz="2800" dirty="0"/>
+              <a:t> par </a:t>
+            </a:r>
+            <a:r>
+              <a:rPr lang="en-US" sz="2800" dirty="0" err="1"/>
+              <a:t>l’authentification</a:t>
+            </a:r>
+            <a:r>
+              <a:rPr lang="en-US" sz="2800" dirty="0"/>
+              <a:t> </a:t>
+            </a:r>
+          </a:p>
+          <a:p>
+            <a:r>
+              <a:rPr lang="en-US" sz="2800" dirty="0"/>
+              <a:t> </a:t>
+            </a:r>
+            <a:endParaRPr lang="fr-FR" sz="2800" dirty="0"/>
+          </a:p>
+        </p:txBody>
+      </p:sp>
+      <p:sp>
+        <p:nvSpPr>
+          <p:cNvPr id="3" name="ZoneTexte 2">
+            <a:extLst>
+              <a:ext uri="{FF2B5EF4-FFF2-40B4-BE49-F238E27FC236}">
+                <a16:creationId xmlns:a16="http://schemas.microsoft.com/office/drawing/2014/main" id="{284C1151-6E12-221A-BE63-14ECE538E114}"/>
+              </a:ext>
+            </a:extLst>
+          </p:cNvPr>
+          <p:cNvSpPr txBox="1"/>
+          <p:nvPr/>
+        </p:nvSpPr>
+        <p:spPr>
+          <a:xfrm>
+            <a:off x="655983" y="949671"/>
+            <a:ext cx="4164496" cy="830997"/>
+          </a:xfrm>
+          <a:prstGeom prst="rect">
+            <a:avLst/>
+          </a:prstGeom>
+          <a:noFill/>
+        </p:spPr>
+        <p:txBody>
+          <a:bodyPr wrap="square" rtlCol="0">
+            <a:spAutoFit/>
+          </a:bodyPr>
+          <a:lstStyle/>
+          <a:p>
+            <a:r>
+              <a:rPr lang="en-US" sz="4800" b="1" dirty="0" err="1"/>
+              <a:t>L’objectif</a:t>
+            </a:r>
+            <a:r>
+              <a:rPr lang="en-US" sz="4800" b="1" dirty="0"/>
+              <a:t> :</a:t>
+            </a:r>
+            <a:endParaRPr lang="fr-FR" sz="4800" b="1" dirty="0"/>
           </a:p>
         </p:txBody>
       </p:sp>
     </p:spTree>
     <p:extLst>
       <p:ext uri="{BB962C8B-B14F-4D97-AF65-F5344CB8AC3E}">
-        <p14:creationId xmlns:p14="http://schemas.microsoft.com/office/powerpoint/2010/main" val="3060854662"/>
+        <p14:creationId xmlns:p14="http://schemas.microsoft.com/office/powerpoint/2010/main" val="196469103"/>
       </p:ext>
     </p:extLst>
   </p:cSld>
@@ -6098,7 +7796,7 @@
         <p:cNvPr id="1" name="">
           <a:extLst>
             <a:ext uri="{FF2B5EF4-FFF2-40B4-BE49-F238E27FC236}">
-              <a16:creationId xmlns:a16="http://schemas.microsoft.com/office/drawing/2014/main" id="{0320AF89-D52E-1435-11C0-9750992705C8}"/>
+              <a16:creationId xmlns:a16="http://schemas.microsoft.com/office/drawing/2014/main" id="{0D4AB56E-6F6E-A5AC-F88B-75DBF011C0E7}"/>
             </a:ext>
           </a:extLst>
         </p:cNvPr>
@@ -6118,7 +7816,7 @@
           <p:cNvPr id="13" name="Rectangle 12">
             <a:extLst>
               <a:ext uri="{FF2B5EF4-FFF2-40B4-BE49-F238E27FC236}">
-                <a16:creationId xmlns:a16="http://schemas.microsoft.com/office/drawing/2014/main" id="{D106B3F9-39C5-F778-1B20-186DFA9E43F0}"/>
+                <a16:creationId xmlns:a16="http://schemas.microsoft.com/office/drawing/2014/main" id="{65F69BFC-B17E-C151-45C2-25436718C4D4}"/>
               </a:ext>
             </a:extLst>
           </p:cNvPr>
@@ -6158,7 +7856,7 @@
           <a:lstStyle/>
           <a:p>
             <a:pPr algn="ctr"/>
-            <a:endParaRPr lang="fr-FR"/>
+            <a:endParaRPr lang="fr-FR" dirty="0"/>
           </a:p>
         </p:txBody>
       </p:sp>
@@ -6167,7 +7865,7 @@
           <p:cNvPr id="17" name="ZoneTexte 16">
             <a:extLst>
               <a:ext uri="{FF2B5EF4-FFF2-40B4-BE49-F238E27FC236}">
-                <a16:creationId xmlns:a16="http://schemas.microsoft.com/office/drawing/2014/main" id="{338D16E0-615F-853A-8971-6D035D9743CF}"/>
+                <a16:creationId xmlns:a16="http://schemas.microsoft.com/office/drawing/2014/main" id="{92704A17-4DE5-65ED-ABB3-E39D4DE134DC}"/>
               </a:ext>
             </a:extLst>
           </p:cNvPr>
@@ -6214,7 +7912,7 @@
           <p:cNvPr id="18" name="ZoneTexte 17">
             <a:extLst>
               <a:ext uri="{FF2B5EF4-FFF2-40B4-BE49-F238E27FC236}">
-                <a16:creationId xmlns:a16="http://schemas.microsoft.com/office/drawing/2014/main" id="{06F8472D-D342-E8F5-69FF-3B8F6A9EA325}"/>
+                <a16:creationId xmlns:a16="http://schemas.microsoft.com/office/drawing/2014/main" id="{90C06195-C1BB-BE7A-74E0-C7A94B097C6B}"/>
               </a:ext>
             </a:extLst>
           </p:cNvPr>
@@ -6250,7 +7948,7 @@
           <p:cNvPr id="19" name="ZoneTexte 18">
             <a:extLst>
               <a:ext uri="{FF2B5EF4-FFF2-40B4-BE49-F238E27FC236}">
-                <a16:creationId xmlns:a16="http://schemas.microsoft.com/office/drawing/2014/main" id="{7F63206E-5B30-550E-C445-C89E7823BE25}"/>
+                <a16:creationId xmlns:a16="http://schemas.microsoft.com/office/drawing/2014/main" id="{B80B5498-EF6C-6DBB-A2B2-5067DB055738}"/>
               </a:ext>
             </a:extLst>
           </p:cNvPr>
@@ -6259,7 +7957,7 @@
         </p:nvSpPr>
         <p:spPr>
           <a:xfrm>
-            <a:off x="555774" y="607755"/>
+            <a:off x="8477261" y="478546"/>
             <a:ext cx="3064212" cy="584775"/>
           </a:xfrm>
           <a:prstGeom prst="rect">
@@ -6300,7 +7998,7 @@
           <p:cNvPr id="20" name="ZoneTexte 19">
             <a:extLst>
               <a:ext uri="{FF2B5EF4-FFF2-40B4-BE49-F238E27FC236}">
-                <a16:creationId xmlns:a16="http://schemas.microsoft.com/office/drawing/2014/main" id="{BEAA7754-767B-88BE-2AE2-9AA73AE55D4F}"/>
+                <a16:creationId xmlns:a16="http://schemas.microsoft.com/office/drawing/2014/main" id="{8595B29A-6D0A-1F4A-0423-777C5F51F94A}"/>
               </a:ext>
             </a:extLst>
           </p:cNvPr>
@@ -6348,7 +8046,7 @@
           <p:cNvPr id="2" name="Triangle rectangle 1">
             <a:extLst>
               <a:ext uri="{FF2B5EF4-FFF2-40B4-BE49-F238E27FC236}">
-                <a16:creationId xmlns:a16="http://schemas.microsoft.com/office/drawing/2014/main" id="{1845A28F-E9D0-DBE0-9E92-43C423E13ECE}"/>
+                <a16:creationId xmlns:a16="http://schemas.microsoft.com/office/drawing/2014/main" id="{3EFBF159-505D-A517-7558-5900EEC648C5}"/>
               </a:ext>
             </a:extLst>
           </p:cNvPr>
@@ -6402,7 +8100,7 @@
           <p:cNvPr id="4" name="ZoneTexte 3">
             <a:extLst>
               <a:ext uri="{FF2B5EF4-FFF2-40B4-BE49-F238E27FC236}">
-                <a16:creationId xmlns:a16="http://schemas.microsoft.com/office/drawing/2014/main" id="{DE07F673-E6C0-B921-CD8E-5AB77E9DF1C8}"/>
+                <a16:creationId xmlns:a16="http://schemas.microsoft.com/office/drawing/2014/main" id="{5522397B-12CB-7D6E-E0A5-00C855AD6E09}"/>
               </a:ext>
             </a:extLst>
           </p:cNvPr>
@@ -6411,8 +8109,8 @@
         </p:nvSpPr>
         <p:spPr>
           <a:xfrm>
-            <a:off x="1298481" y="2087880"/>
-            <a:ext cx="6347946" cy="369332"/>
+            <a:off x="732103" y="2408933"/>
+            <a:ext cx="6995900" cy="3108543"/>
           </a:xfrm>
           <a:prstGeom prst="rect">
             <a:avLst/>
@@ -6426,25 +8124,104 @@
           <a:lstStyle/>
           <a:p>
             <a:r>
-              <a:rPr lang="en-US" dirty="0"/>
-              <a:t>Simulation de </a:t>
-            </a:r>
-            <a:r>
-              <a:rPr lang="en-US" dirty="0" err="1"/>
-              <a:t>projet</a:t>
-            </a:r>
-            <a:r>
-              <a:rPr lang="en-US" dirty="0"/>
-              <a:t> </a:t>
-            </a:r>
-            <a:endParaRPr lang="fr-FR" dirty="0"/>
+              <a:rPr lang="en-US" sz="2800" dirty="0"/>
+              <a:t>-La gestion de 5 </a:t>
+            </a:r>
+            <a:r>
+              <a:rPr lang="en-US" sz="2800" dirty="0" err="1"/>
+              <a:t>entite</a:t>
+            </a:r>
+            <a:r>
+              <a:rPr lang="en-US" sz="2800" dirty="0"/>
+              <a:t> Crud</a:t>
+            </a:r>
+          </a:p>
+          <a:p>
+            <a:r>
+              <a:rPr lang="en-US" sz="2800" dirty="0"/>
+              <a:t> 		.Stocks</a:t>
+            </a:r>
+          </a:p>
+          <a:p>
+            <a:r>
+              <a:rPr lang="en-US" sz="2800" dirty="0"/>
+              <a:t> 		.Restaurants</a:t>
+            </a:r>
+            <a:endParaRPr lang="fr-FR" sz="2800" dirty="0"/>
+          </a:p>
+          <a:p>
+            <a:r>
+              <a:rPr lang="en-US" sz="2800" dirty="0"/>
+              <a:t> 		.Menu</a:t>
+            </a:r>
+            <a:endParaRPr lang="fr-FR" sz="2800" dirty="0"/>
+          </a:p>
+          <a:p>
+            <a:r>
+              <a:rPr lang="en-US" sz="2800" dirty="0"/>
+              <a:t> 		.Reservation	</a:t>
+            </a:r>
+            <a:endParaRPr lang="fr-FR" sz="2800" dirty="0"/>
+          </a:p>
+          <a:p>
+            <a:r>
+              <a:rPr lang="en-US" sz="2800" dirty="0"/>
+              <a:t> 		.Employes</a:t>
+            </a:r>
+            <a:endParaRPr lang="fr-FR" sz="2800" dirty="0"/>
+          </a:p>
+          <a:p>
+            <a:r>
+              <a:rPr lang="fr-FR" sz="2800" dirty="0"/>
+              <a:t>-des tableaux de bords statistiques </a:t>
+            </a:r>
+          </a:p>
+        </p:txBody>
+      </p:sp>
+      <p:sp>
+        <p:nvSpPr>
+          <p:cNvPr id="3" name="ZoneTexte 2">
+            <a:extLst>
+              <a:ext uri="{FF2B5EF4-FFF2-40B4-BE49-F238E27FC236}">
+                <a16:creationId xmlns:a16="http://schemas.microsoft.com/office/drawing/2014/main" id="{2E2FA220-F402-9502-5941-38BF1243A632}"/>
+              </a:ext>
+            </a:extLst>
+          </p:cNvPr>
+          <p:cNvSpPr txBox="1"/>
+          <p:nvPr/>
+        </p:nvSpPr>
+        <p:spPr>
+          <a:xfrm>
+            <a:off x="732103" y="925025"/>
+            <a:ext cx="5844209" cy="830997"/>
+          </a:xfrm>
+          <a:prstGeom prst="rect">
+            <a:avLst/>
+          </a:prstGeom>
+          <a:noFill/>
+        </p:spPr>
+        <p:txBody>
+          <a:bodyPr wrap="square" rtlCol="0">
+            <a:spAutoFit/>
+          </a:bodyPr>
+          <a:lstStyle/>
+          <a:p>
+            <a:r>
+              <a:rPr lang="en-US" sz="4800" b="1" dirty="0" err="1"/>
+              <a:t>Fonctionnement</a:t>
+            </a:r>
+            <a:r>
+              <a:rPr lang="en-US" sz="4800" b="1" dirty="0"/>
+              <a:t> :</a:t>
+            </a:r>
+            <a:endParaRPr lang="fr-FR" sz="4800" b="1" dirty="0"/>
           </a:p>
         </p:txBody>
       </p:sp>
     </p:spTree>
     <p:extLst>
       <p:ext uri="{BB962C8B-B14F-4D97-AF65-F5344CB8AC3E}">
-        <p14:creationId xmlns:p14="http://schemas.microsoft.com/office/powerpoint/2010/main" val="1075273734"/>
+        <p14:creationId xmlns:p14="http://schemas.microsoft.com/office/powerpoint/2010/main" val="2979484380"/>
       </p:ext>
     </p:extLst>
   </p:cSld>
@@ -6474,7 +8251,7 @@
         <p:cNvPr id="1" name="">
           <a:extLst>
             <a:ext uri="{FF2B5EF4-FFF2-40B4-BE49-F238E27FC236}">
-              <a16:creationId xmlns:a16="http://schemas.microsoft.com/office/drawing/2014/main" id="{28F1ACDF-6F78-94CB-F05D-CA47AEB847D8}"/>
+              <a16:creationId xmlns:a16="http://schemas.microsoft.com/office/drawing/2014/main" id="{C68D0FA9-724A-B148-9E05-BEE657708AFD}"/>
             </a:ext>
           </a:extLst>
         </p:cNvPr>
@@ -6494,7 +8271,7 @@
           <p:cNvPr id="13" name="Rectangle 12">
             <a:extLst>
               <a:ext uri="{FF2B5EF4-FFF2-40B4-BE49-F238E27FC236}">
-                <a16:creationId xmlns:a16="http://schemas.microsoft.com/office/drawing/2014/main" id="{1EF7E603-442F-6320-B20C-DD849A942E65}"/>
+                <a16:creationId xmlns:a16="http://schemas.microsoft.com/office/drawing/2014/main" id="{F0051E20-1258-D1BE-50C9-761A316A3968}"/>
               </a:ext>
             </a:extLst>
           </p:cNvPr>
@@ -6503,7 +8280,7 @@
         </p:nvSpPr>
         <p:spPr>
           <a:xfrm>
-            <a:off x="0" y="0"/>
+            <a:off x="0" y="9939"/>
             <a:ext cx="12192000" cy="6858000"/>
           </a:xfrm>
           <a:prstGeom prst="rect">
@@ -6543,7 +8320,7 @@
           <p:cNvPr id="17" name="ZoneTexte 16">
             <a:extLst>
               <a:ext uri="{FF2B5EF4-FFF2-40B4-BE49-F238E27FC236}">
-                <a16:creationId xmlns:a16="http://schemas.microsoft.com/office/drawing/2014/main" id="{A205289E-8463-6DDE-CDB4-27726108EB8C}"/>
+                <a16:creationId xmlns:a16="http://schemas.microsoft.com/office/drawing/2014/main" id="{0876F711-FCE7-72F1-4C93-5BD290F369AE}"/>
               </a:ext>
             </a:extLst>
           </p:cNvPr>
@@ -6590,7 +8367,7 @@
           <p:cNvPr id="18" name="ZoneTexte 17">
             <a:extLst>
               <a:ext uri="{FF2B5EF4-FFF2-40B4-BE49-F238E27FC236}">
-                <a16:creationId xmlns:a16="http://schemas.microsoft.com/office/drawing/2014/main" id="{BD2C98D2-05B9-85CD-B649-8AB4C7537C86}"/>
+                <a16:creationId xmlns:a16="http://schemas.microsoft.com/office/drawing/2014/main" id="{39769FA2-8601-D3EF-FC74-EA92A8A72C75}"/>
               </a:ext>
             </a:extLst>
           </p:cNvPr>
@@ -6626,7 +8403,7 @@
           <p:cNvPr id="19" name="ZoneTexte 18">
             <a:extLst>
               <a:ext uri="{FF2B5EF4-FFF2-40B4-BE49-F238E27FC236}">
-                <a16:creationId xmlns:a16="http://schemas.microsoft.com/office/drawing/2014/main" id="{01D170A3-0363-BF35-1400-7101EAE749FB}"/>
+                <a16:creationId xmlns:a16="http://schemas.microsoft.com/office/drawing/2014/main" id="{A43AB168-364E-8567-E992-88A1E869C745}"/>
               </a:ext>
             </a:extLst>
           </p:cNvPr>
@@ -6635,7 +8412,7 @@
         </p:nvSpPr>
         <p:spPr>
           <a:xfrm>
-            <a:off x="555774" y="607755"/>
+            <a:off x="8811315" y="657284"/>
             <a:ext cx="3064212" cy="584775"/>
           </a:xfrm>
           <a:prstGeom prst="rect">
@@ -6676,7 +8453,7 @@
           <p:cNvPr id="20" name="ZoneTexte 19">
             <a:extLst>
               <a:ext uri="{FF2B5EF4-FFF2-40B4-BE49-F238E27FC236}">
-                <a16:creationId xmlns:a16="http://schemas.microsoft.com/office/drawing/2014/main" id="{8F168E5A-EAD9-1076-34D5-52AF783F74B1}"/>
+                <a16:creationId xmlns:a16="http://schemas.microsoft.com/office/drawing/2014/main" id="{80604FAC-7B77-4318-EA2C-558C521975F7}"/>
               </a:ext>
             </a:extLst>
           </p:cNvPr>
@@ -6724,7 +8501,7 @@
           <p:cNvPr id="2" name="Triangle rectangle 1">
             <a:extLst>
               <a:ext uri="{FF2B5EF4-FFF2-40B4-BE49-F238E27FC236}">
-                <a16:creationId xmlns:a16="http://schemas.microsoft.com/office/drawing/2014/main" id="{58EF0F85-1564-C6F6-36EC-88E2FC05F3AF}"/>
+                <a16:creationId xmlns:a16="http://schemas.microsoft.com/office/drawing/2014/main" id="{F6C06E9E-B687-B361-801E-0EED7BD47333}"/>
               </a:ext>
             </a:extLst>
           </p:cNvPr>
@@ -6775,10 +8552,10 @@
       </p:sp>
       <p:sp>
         <p:nvSpPr>
-          <p:cNvPr id="3" name="ZoneTexte 2">
-            <a:extLst>
-              <a:ext uri="{FF2B5EF4-FFF2-40B4-BE49-F238E27FC236}">
-                <a16:creationId xmlns:a16="http://schemas.microsoft.com/office/drawing/2014/main" id="{66D2E1CB-E6F6-1F2B-F6C3-063D4B986D17}"/>
+          <p:cNvPr id="4" name="ZoneTexte 3">
+            <a:extLst>
+              <a:ext uri="{FF2B5EF4-FFF2-40B4-BE49-F238E27FC236}">
+                <a16:creationId xmlns:a16="http://schemas.microsoft.com/office/drawing/2014/main" id="{61C9743C-6F5A-5095-F103-286A0FE66E33}"/>
               </a:ext>
             </a:extLst>
           </p:cNvPr>
@@ -6787,8 +8564,8 @@
         </p:nvSpPr>
         <p:spPr>
           <a:xfrm>
-            <a:off x="1371600" y="2797969"/>
-            <a:ext cx="5532120" cy="1477328"/>
+            <a:off x="1298481" y="2087880"/>
+            <a:ext cx="6347946" cy="2308324"/>
           </a:xfrm>
           <a:prstGeom prst="rect">
             <a:avLst/>
@@ -6801,135 +8578,88 @@
           </a:bodyPr>
           <a:lstStyle/>
           <a:p>
-            <a:r>
-              <a:rPr lang="en-US" dirty="0"/>
-              <a:t>Defis </a:t>
-            </a:r>
-            <a:r>
-              <a:rPr lang="en-US" dirty="0" err="1"/>
-              <a:t>rencontrer</a:t>
-            </a:r>
-            <a:r>
-              <a:rPr lang="en-US" dirty="0"/>
-              <a:t> </a:t>
-            </a:r>
-            <a:br>
-              <a:rPr lang="en-US" dirty="0"/>
-            </a:br>
-            <a:r>
-              <a:rPr lang="en-US" dirty="0"/>
-              <a:t>	-</a:t>
-            </a:r>
-            <a:r>
-              <a:rPr lang="en-US" dirty="0" err="1"/>
-              <a:t>Ajouter</a:t>
-            </a:r>
-            <a:r>
-              <a:rPr lang="en-US" dirty="0"/>
-              <a:t> Modifier </a:t>
-            </a:r>
-            <a:r>
-              <a:rPr lang="en-US" dirty="0" err="1"/>
-              <a:t>ou</a:t>
-            </a:r>
-            <a:r>
-              <a:rPr lang="en-US" dirty="0"/>
-              <a:t> </a:t>
-            </a:r>
-            <a:r>
-              <a:rPr lang="en-US" dirty="0" err="1"/>
-              <a:t>supprimer</a:t>
-            </a:r>
-            <a:r>
-              <a:rPr lang="en-US" dirty="0"/>
-              <a:t> </a:t>
-            </a:r>
-            <a:r>
-              <a:rPr lang="en-US" dirty="0" err="1"/>
-              <a:t>directement</a:t>
-            </a:r>
-            <a:r>
-              <a:rPr lang="en-US" dirty="0"/>
-              <a:t> </a:t>
-            </a:r>
-            <a:r>
-              <a:rPr lang="en-US" dirty="0" err="1"/>
-              <a:t>d’une</a:t>
-            </a:r>
-            <a:r>
-              <a:rPr lang="en-US" dirty="0"/>
-              <a:t> base de </a:t>
-            </a:r>
-            <a:r>
-              <a:rPr lang="en-US" dirty="0" err="1"/>
-              <a:t>donne</a:t>
-            </a:r>
-            <a:r>
-              <a:rPr lang="en-US" dirty="0"/>
-              <a:t> .</a:t>
-            </a:r>
-          </a:p>
-          <a:p>
-            <a:r>
-              <a:rPr lang="en-US" dirty="0"/>
-              <a:t>	*</a:t>
-            </a:r>
-            <a:r>
-              <a:rPr lang="en-US" dirty="0" err="1"/>
-              <a:t>avoir</a:t>
-            </a:r>
-            <a:r>
-              <a:rPr lang="en-US" dirty="0"/>
-              <a:t> des </a:t>
-            </a:r>
-            <a:r>
-              <a:rPr lang="en-US" dirty="0" err="1"/>
-              <a:t>donne</a:t>
-            </a:r>
-            <a:r>
-              <a:rPr lang="en-US" dirty="0"/>
-              <a:t> </a:t>
-            </a:r>
-            <a:r>
-              <a:rPr lang="en-US" dirty="0" err="1"/>
-              <a:t>liees</a:t>
-            </a:r>
-            <a:r>
-              <a:rPr lang="en-US" dirty="0"/>
-              <a:t> entre </a:t>
-            </a:r>
-            <a:r>
-              <a:rPr lang="en-US" dirty="0" err="1"/>
-              <a:t>eux</a:t>
-            </a:r>
-            <a:r>
-              <a:rPr lang="en-US" dirty="0"/>
-              <a:t> pour un </a:t>
-            </a:r>
-            <a:r>
-              <a:rPr lang="en-US" dirty="0" err="1"/>
-              <a:t>mieux</a:t>
-            </a:r>
-            <a:r>
-              <a:rPr lang="en-US" dirty="0"/>
-              <a:t> service et </a:t>
-            </a:r>
-            <a:r>
-              <a:rPr lang="en-US" dirty="0" err="1"/>
-              <a:t>donne</a:t>
-            </a:r>
-            <a:r>
-              <a:rPr lang="en-US" dirty="0"/>
-              <a:t> compatible 	 </a:t>
-            </a:r>
-            <a:endParaRPr lang="fr-FR" dirty="0"/>
+            <a:pPr marL="285750" indent="-285750">
+              <a:buFont typeface="Arial" panose="020B0604020202020204" pitchFamily="34" charset="0"/>
+              <a:buChar char="•"/>
+            </a:pPr>
+            <a:r>
+              <a:rPr lang="en-US" sz="3600" dirty="0"/>
+              <a:t>Html5</a:t>
+            </a:r>
+          </a:p>
+          <a:p>
+            <a:pPr marL="285750" indent="-285750">
+              <a:buFont typeface="Arial" panose="020B0604020202020204" pitchFamily="34" charset="0"/>
+              <a:buChar char="•"/>
+            </a:pPr>
+            <a:r>
+              <a:rPr lang="en-US" sz="3600" dirty="0"/>
+              <a:t>Css3</a:t>
+            </a:r>
+          </a:p>
+          <a:p>
+            <a:pPr marL="285750" indent="-285750">
+              <a:buFont typeface="Arial" panose="020B0604020202020204" pitchFamily="34" charset="0"/>
+              <a:buChar char="•"/>
+            </a:pPr>
+            <a:r>
+              <a:rPr lang="en-US" sz="3600" dirty="0"/>
+              <a:t>Java Script ES6+</a:t>
+            </a:r>
+          </a:p>
+          <a:p>
+            <a:pPr marL="285750" indent="-285750">
+              <a:buFont typeface="Arial" panose="020B0604020202020204" pitchFamily="34" charset="0"/>
+              <a:buChar char="•"/>
+            </a:pPr>
+            <a:r>
+              <a:rPr lang="en-US" sz="3600" dirty="0"/>
+              <a:t>Chart.js</a:t>
+            </a:r>
+            <a:endParaRPr lang="fr-FR" sz="3600" dirty="0"/>
+          </a:p>
+        </p:txBody>
+      </p:sp>
+      <p:sp>
+        <p:nvSpPr>
+          <p:cNvPr id="3" name="ZoneTexte 2">
+            <a:extLst>
+              <a:ext uri="{FF2B5EF4-FFF2-40B4-BE49-F238E27FC236}">
+                <a16:creationId xmlns:a16="http://schemas.microsoft.com/office/drawing/2014/main" id="{854D7663-4854-8F6A-4930-678DC78D8E43}"/>
+              </a:ext>
+            </a:extLst>
+          </p:cNvPr>
+          <p:cNvSpPr txBox="1"/>
+          <p:nvPr/>
+        </p:nvSpPr>
+        <p:spPr>
+          <a:xfrm>
+            <a:off x="864704" y="657284"/>
+            <a:ext cx="6039016" cy="830997"/>
+          </a:xfrm>
+          <a:prstGeom prst="rect">
+            <a:avLst/>
+          </a:prstGeom>
+          <a:noFill/>
+        </p:spPr>
+        <p:txBody>
+          <a:bodyPr wrap="square" rtlCol="0">
+            <a:spAutoFit/>
+          </a:bodyPr>
+          <a:lstStyle/>
+          <a:p>
+            <a:r>
+              <a:rPr lang="en-US" sz="4800" b="1" dirty="0"/>
+              <a:t>Technologie utilisee:</a:t>
+            </a:r>
+            <a:endParaRPr lang="fr-FR" sz="4800" b="1" dirty="0"/>
           </a:p>
         </p:txBody>
       </p:sp>
     </p:spTree>
     <p:extLst>
       <p:ext uri="{BB962C8B-B14F-4D97-AF65-F5344CB8AC3E}">
-        <p14:creationId xmlns:p14="http://schemas.microsoft.com/office/powerpoint/2010/main" val="4276421315"/>
+        <p14:creationId xmlns:p14="http://schemas.microsoft.com/office/powerpoint/2010/main" val="3060854662"/>
       </p:ext>
     </p:extLst>
   </p:cSld>
@@ -6959,7 +8689,7 @@
         <p:cNvPr id="1" name="">
           <a:extLst>
             <a:ext uri="{FF2B5EF4-FFF2-40B4-BE49-F238E27FC236}">
-              <a16:creationId xmlns:a16="http://schemas.microsoft.com/office/drawing/2014/main" id="{FA290D1E-AE5A-556A-D377-D1B64C27B9A6}"/>
+              <a16:creationId xmlns:a16="http://schemas.microsoft.com/office/drawing/2014/main" id="{0320AF89-D52E-1435-11C0-9750992705C8}"/>
             </a:ext>
           </a:extLst>
         </p:cNvPr>
@@ -6979,7 +8709,7 @@
           <p:cNvPr id="13" name="Rectangle 12">
             <a:extLst>
               <a:ext uri="{FF2B5EF4-FFF2-40B4-BE49-F238E27FC236}">
-                <a16:creationId xmlns:a16="http://schemas.microsoft.com/office/drawing/2014/main" id="{5BACB568-D3C8-1E8F-1342-A8BB7970CD87}"/>
+                <a16:creationId xmlns:a16="http://schemas.microsoft.com/office/drawing/2014/main" id="{D106B3F9-39C5-F778-1B20-186DFA9E43F0}"/>
               </a:ext>
             </a:extLst>
           </p:cNvPr>
@@ -7019,7 +8749,7 @@
           <a:lstStyle/>
           <a:p>
             <a:pPr algn="ctr"/>
-            <a:endParaRPr lang="fr-FR" dirty="0"/>
+            <a:endParaRPr lang="fr-FR"/>
           </a:p>
         </p:txBody>
       </p:sp>
@@ -7028,7 +8758,7 @@
           <p:cNvPr id="17" name="ZoneTexte 16">
             <a:extLst>
               <a:ext uri="{FF2B5EF4-FFF2-40B4-BE49-F238E27FC236}">
-                <a16:creationId xmlns:a16="http://schemas.microsoft.com/office/drawing/2014/main" id="{E83BA591-26F4-38F4-198E-447E71329103}"/>
+                <a16:creationId xmlns:a16="http://schemas.microsoft.com/office/drawing/2014/main" id="{338D16E0-615F-853A-8971-6D035D9743CF}"/>
               </a:ext>
             </a:extLst>
           </p:cNvPr>
@@ -7075,7 +8805,7 @@
           <p:cNvPr id="18" name="ZoneTexte 17">
             <a:extLst>
               <a:ext uri="{FF2B5EF4-FFF2-40B4-BE49-F238E27FC236}">
-                <a16:creationId xmlns:a16="http://schemas.microsoft.com/office/drawing/2014/main" id="{B31EB602-EF07-AD20-6DF1-8557389F6B67}"/>
+                <a16:creationId xmlns:a16="http://schemas.microsoft.com/office/drawing/2014/main" id="{06F8472D-D342-E8F5-69FF-3B8F6A9EA325}"/>
               </a:ext>
             </a:extLst>
           </p:cNvPr>
@@ -7111,7 +8841,7 @@
           <p:cNvPr id="19" name="ZoneTexte 18">
             <a:extLst>
               <a:ext uri="{FF2B5EF4-FFF2-40B4-BE49-F238E27FC236}">
-                <a16:creationId xmlns:a16="http://schemas.microsoft.com/office/drawing/2014/main" id="{B2CBD8CB-4997-A5DB-2B51-BC55EEE08041}"/>
+                <a16:creationId xmlns:a16="http://schemas.microsoft.com/office/drawing/2014/main" id="{7F63206E-5B30-550E-C445-C89E7823BE25}"/>
               </a:ext>
             </a:extLst>
           </p:cNvPr>
@@ -7120,7 +8850,7 @@
         </p:nvSpPr>
         <p:spPr>
           <a:xfrm>
-            <a:off x="555774" y="607755"/>
+            <a:off x="8811315" y="836355"/>
             <a:ext cx="3064212" cy="584775"/>
           </a:xfrm>
           <a:prstGeom prst="rect">
@@ -7161,7 +8891,7 @@
           <p:cNvPr id="20" name="ZoneTexte 19">
             <a:extLst>
               <a:ext uri="{FF2B5EF4-FFF2-40B4-BE49-F238E27FC236}">
-                <a16:creationId xmlns:a16="http://schemas.microsoft.com/office/drawing/2014/main" id="{C3116669-5543-0023-615E-9CB2CE669B4F}"/>
+                <a16:creationId xmlns:a16="http://schemas.microsoft.com/office/drawing/2014/main" id="{BEAA7754-767B-88BE-2AE2-9AA73AE55D4F}"/>
               </a:ext>
             </a:extLst>
           </p:cNvPr>
@@ -7209,7 +8939,7 @@
           <p:cNvPr id="2" name="Triangle rectangle 1">
             <a:extLst>
               <a:ext uri="{FF2B5EF4-FFF2-40B4-BE49-F238E27FC236}">
-                <a16:creationId xmlns:a16="http://schemas.microsoft.com/office/drawing/2014/main" id="{D1193F7F-8736-B56E-4051-6D7B6FFB695E}"/>
+                <a16:creationId xmlns:a16="http://schemas.microsoft.com/office/drawing/2014/main" id="{1845A28F-E9D0-DBE0-9E92-43C423E13ECE}"/>
               </a:ext>
             </a:extLst>
           </p:cNvPr>
@@ -7263,7 +8993,7 @@
           <p:cNvPr id="4" name="ZoneTexte 3">
             <a:extLst>
               <a:ext uri="{FF2B5EF4-FFF2-40B4-BE49-F238E27FC236}">
-                <a16:creationId xmlns:a16="http://schemas.microsoft.com/office/drawing/2014/main" id="{86883659-D949-9DED-B6FA-0006ADA4D35D}"/>
+                <a16:creationId xmlns:a16="http://schemas.microsoft.com/office/drawing/2014/main" id="{DE07F673-E6C0-B921-CD8E-5AB77E9DF1C8}"/>
               </a:ext>
             </a:extLst>
           </p:cNvPr>
@@ -7272,8 +9002,8 @@
         </p:nvSpPr>
         <p:spPr>
           <a:xfrm>
-            <a:off x="1478280" y="2753319"/>
-            <a:ext cx="7330440" cy="1477328"/>
+            <a:off x="1298481" y="2087880"/>
+            <a:ext cx="6347946" cy="830997"/>
           </a:xfrm>
           <a:prstGeom prst="rect">
             <a:avLst/>
@@ -7287,122 +9017,25 @@
           <a:lstStyle/>
           <a:p>
             <a:r>
-              <a:rPr lang="en-US" dirty="0"/>
-              <a:t>Amelioration possible :</a:t>
-            </a:r>
-            <a:br>
-              <a:rPr lang="en-US" dirty="0"/>
-            </a:br>
-            <a:br>
-              <a:rPr lang="en-US" dirty="0"/>
-            </a:br>
-            <a:r>
-              <a:rPr lang="en-US" dirty="0"/>
-              <a:t>	-</a:t>
-            </a:r>
-            <a:r>
-              <a:rPr lang="en-US" dirty="0" err="1"/>
-              <a:t>creer</a:t>
-            </a:r>
-            <a:r>
-              <a:rPr lang="en-US" dirty="0"/>
-              <a:t> </a:t>
-            </a:r>
-            <a:r>
-              <a:rPr lang="en-US" dirty="0" err="1"/>
-              <a:t>une</a:t>
-            </a:r>
-            <a:r>
-              <a:rPr lang="en-US" dirty="0"/>
-              <a:t> base donner est </a:t>
-            </a:r>
-            <a:r>
-              <a:rPr lang="en-US" dirty="0" err="1"/>
-              <a:t>l’utiliserr</a:t>
-            </a:r>
-            <a:r>
-              <a:rPr lang="en-US" dirty="0"/>
-              <a:t> pour </a:t>
-            </a:r>
-            <a:r>
-              <a:rPr lang="en-US" dirty="0" err="1"/>
-              <a:t>manipuler</a:t>
-            </a:r>
-            <a:r>
-              <a:rPr lang="en-US" dirty="0"/>
-              <a:t> </a:t>
-            </a:r>
-            <a:r>
-              <a:rPr lang="en-US" dirty="0" err="1"/>
-              <a:t>nos</a:t>
-            </a:r>
-            <a:r>
-              <a:rPr lang="en-US" dirty="0"/>
-              <a:t> donners</a:t>
-            </a:r>
-            <a:br>
-              <a:rPr lang="en-US" dirty="0"/>
-            </a:br>
-            <a:r>
-              <a:rPr lang="en-US" dirty="0"/>
-              <a:t>	-</a:t>
-            </a:r>
-            <a:r>
-              <a:rPr lang="en-US" dirty="0" err="1"/>
-              <a:t>creer</a:t>
-            </a:r>
-            <a:r>
-              <a:rPr lang="en-US" dirty="0"/>
-              <a:t> </a:t>
-            </a:r>
-            <a:r>
-              <a:rPr lang="en-US" dirty="0" err="1"/>
-              <a:t>une</a:t>
-            </a:r>
-            <a:r>
-              <a:rPr lang="en-US" dirty="0"/>
-              <a:t> page client </a:t>
-            </a:r>
-            <a:r>
-              <a:rPr lang="en-US" dirty="0" err="1"/>
-              <a:t>dont</a:t>
-            </a:r>
-            <a:r>
-              <a:rPr lang="en-US" dirty="0"/>
-              <a:t> on </a:t>
-            </a:r>
-            <a:r>
-              <a:rPr lang="en-US" dirty="0" err="1"/>
-              <a:t>peut</a:t>
-            </a:r>
-            <a:r>
-              <a:rPr lang="en-US" dirty="0"/>
-              <a:t> </a:t>
-            </a:r>
-            <a:r>
-              <a:rPr lang="en-US" dirty="0" err="1"/>
-              <a:t>reserver</a:t>
-            </a:r>
-            <a:r>
-              <a:rPr lang="en-US" dirty="0"/>
-              <a:t> </a:t>
-            </a:r>
-            <a:r>
-              <a:rPr lang="en-US" dirty="0" err="1"/>
-              <a:t>ou</a:t>
-            </a:r>
-            <a:r>
-              <a:rPr lang="en-US" dirty="0"/>
-              <a:t> commander des menu .  </a:t>
-            </a:r>
-            <a:endParaRPr lang="fr-FR" dirty="0"/>
+              <a:rPr lang="en-US" sz="4800" b="1" dirty="0"/>
+              <a:t>Simulation de </a:t>
+            </a:r>
+            <a:r>
+              <a:rPr lang="en-US" sz="4800" b="1" dirty="0" err="1"/>
+              <a:t>projet</a:t>
+            </a:r>
+            <a:r>
+              <a:rPr lang="en-US" sz="4800" b="1" dirty="0"/>
+              <a:t> :</a:t>
+            </a:r>
+            <a:endParaRPr lang="fr-FR" sz="4800" b="1" dirty="0"/>
           </a:p>
         </p:txBody>
       </p:sp>
     </p:spTree>
     <p:extLst>
       <p:ext uri="{BB962C8B-B14F-4D97-AF65-F5344CB8AC3E}">
-        <p14:creationId xmlns:p14="http://schemas.microsoft.com/office/powerpoint/2010/main" val="3730732725"/>
+        <p14:creationId xmlns:p14="http://schemas.microsoft.com/office/powerpoint/2010/main" val="1075273734"/>
       </p:ext>
     </p:extLst>
   </p:cSld>
@@ -7429,13 +9062,7 @@
   <p:cSld>
     <p:spTree>
       <p:nvGrpSpPr>
-        <p:cNvPr id="1" name="">
-          <a:extLst>
-            <a:ext uri="{FF2B5EF4-FFF2-40B4-BE49-F238E27FC236}">
-              <a16:creationId xmlns:a16="http://schemas.microsoft.com/office/drawing/2014/main" id="{64982584-5733-09A6-A2AB-37F65D465F8A}"/>
-            </a:ext>
-          </a:extLst>
-        </p:cNvPr>
+        <p:cNvPr id="1" name=""/>
         <p:cNvGrpSpPr/>
         <p:nvPr/>
       </p:nvGrpSpPr>
@@ -7449,16 +9076,74 @@
       </p:grpSpPr>
       <p:sp>
         <p:nvSpPr>
-          <p:cNvPr id="13" name="Rectangle 12">
-            <a:extLst>
-              <a:ext uri="{FF2B5EF4-FFF2-40B4-BE49-F238E27FC236}">
-                <a16:creationId xmlns:a16="http://schemas.microsoft.com/office/drawing/2014/main" id="{6DEE1424-35CE-12E2-A903-B1332D817578}"/>
-              </a:ext>
-            </a:extLst>
-          </p:cNvPr>
-          <p:cNvSpPr/>
-          <p:nvPr/>
-        </p:nvSpPr>
+          <p:cNvPr id="2" name="Titre 1">
+            <a:extLst>
+              <a:ext uri="{FF2B5EF4-FFF2-40B4-BE49-F238E27FC236}">
+                <a16:creationId xmlns:a16="http://schemas.microsoft.com/office/drawing/2014/main" id="{890A1E25-F679-EA10-4A59-AC4C79BA5C70}"/>
+              </a:ext>
+            </a:extLst>
+          </p:cNvPr>
+          <p:cNvSpPr>
+            <a:spLocks noGrp="1"/>
+          </p:cNvSpPr>
+          <p:nvPr>
+            <p:ph type="title"/>
+          </p:nvPr>
+        </p:nvSpPr>
+        <p:spPr/>
+        <p:txBody>
+          <a:bodyPr/>
+          <a:lstStyle/>
+          <a:p>
+            <a:endParaRPr lang="fr-FR"/>
+          </a:p>
+        </p:txBody>
+      </p:sp>
+      <p:sp>
+        <p:nvSpPr>
+          <p:cNvPr id="3" name="Espace réservé du contenu 2">
+            <a:extLst>
+              <a:ext uri="{FF2B5EF4-FFF2-40B4-BE49-F238E27FC236}">
+                <a16:creationId xmlns:a16="http://schemas.microsoft.com/office/drawing/2014/main" id="{0A292707-4E0B-8131-A3D3-278B675AB391}"/>
+              </a:ext>
+            </a:extLst>
+          </p:cNvPr>
+          <p:cNvSpPr>
+            <a:spLocks noGrp="1"/>
+          </p:cNvSpPr>
+          <p:nvPr>
+            <p:ph idx="1"/>
+          </p:nvPr>
+        </p:nvSpPr>
+        <p:spPr/>
+        <p:txBody>
+          <a:bodyPr/>
+          <a:lstStyle/>
+          <a:p>
+            <a:endParaRPr lang="fr-FR"/>
+          </a:p>
+        </p:txBody>
+      </p:sp>
+      <p:pic>
+        <p:nvPicPr>
+          <p:cNvPr id="5" name="Image 4" descr="Une image contenant texte, capture d’écran, logiciel, Page web&#10;&#10;Le contenu généré par l’IA peut être incorrect.">
+            <a:extLst>
+              <a:ext uri="{FF2B5EF4-FFF2-40B4-BE49-F238E27FC236}">
+                <a16:creationId xmlns:a16="http://schemas.microsoft.com/office/drawing/2014/main" id="{AB4922A7-BD66-CEDA-3EDC-4B64D57102E7}"/>
+              </a:ext>
+            </a:extLst>
+          </p:cNvPr>
+          <p:cNvPicPr>
+            <a:picLocks noChangeAspect="1"/>
+          </p:cNvPicPr>
+          <p:nvPr/>
+        </p:nvPicPr>
+        <p:blipFill>
+          <a:blip r:embed="rId2"/>
+          <a:stretch>
+            <a:fillRect/>
+          </a:stretch>
+        </p:blipFill>
         <p:spPr>
           <a:xfrm>
             <a:off x="0" y="0"/>
@@ -7467,415 +9152,12 @@
           <a:prstGeom prst="rect">
             <a:avLst/>
           </a:prstGeom>
-          <a:solidFill>
-            <a:srgbClr val="FFF8F2"/>
-          </a:solidFill>
-        </p:spPr>
-        <p:style>
-          <a:lnRef idx="2">
-            <a:schemeClr val="accent1">
-              <a:shade val="15000"/>
-            </a:schemeClr>
-          </a:lnRef>
-          <a:fillRef idx="1">
-            <a:schemeClr val="accent1"/>
-          </a:fillRef>
-          <a:effectRef idx="0">
-            <a:schemeClr val="accent1"/>
-          </a:effectRef>
-          <a:fontRef idx="minor">
-            <a:schemeClr val="lt1"/>
-          </a:fontRef>
-        </p:style>
-        <p:txBody>
-          <a:bodyPr rtlCol="0" anchor="ctr"/>
-          <a:lstStyle/>
-          <a:p>
-            <a:pPr algn="ctr"/>
-            <a:endParaRPr lang="fr-FR" dirty="0"/>
-          </a:p>
-        </p:txBody>
-      </p:sp>
-      <p:sp>
-        <p:nvSpPr>
-          <p:cNvPr id="17" name="ZoneTexte 16">
-            <a:extLst>
-              <a:ext uri="{FF2B5EF4-FFF2-40B4-BE49-F238E27FC236}">
-                <a16:creationId xmlns:a16="http://schemas.microsoft.com/office/drawing/2014/main" id="{235208E8-0636-6CF2-A173-0B7089D5478F}"/>
-              </a:ext>
-            </a:extLst>
-          </p:cNvPr>
-          <p:cNvSpPr txBox="1"/>
-          <p:nvPr/>
-        </p:nvSpPr>
-        <p:spPr>
-          <a:xfrm>
-            <a:off x="-5565656" y="5814686"/>
-            <a:ext cx="3250891" cy="707886"/>
-          </a:xfrm>
-          <a:prstGeom prst="rect">
-            <a:avLst/>
-          </a:prstGeom>
-          <a:noFill/>
-        </p:spPr>
-        <p:txBody>
-          <a:bodyPr wrap="square" rtlCol="0">
-            <a:spAutoFit/>
-          </a:bodyPr>
-          <a:lstStyle/>
-          <a:p>
-            <a:r>
-              <a:rPr lang="en-US" sz="2000" dirty="0" err="1"/>
-              <a:t>Realise</a:t>
-            </a:r>
-            <a:r>
-              <a:rPr lang="en-US" sz="2000" dirty="0"/>
-              <a:t> par : Anas KABLAOUI</a:t>
-            </a:r>
-            <a:br>
-              <a:rPr lang="en-US" sz="2000" dirty="0"/>
-            </a:br>
-            <a:r>
-              <a:rPr lang="en-US" sz="2000" dirty="0"/>
-              <a:t> 	      Badr BENHILAL</a:t>
-            </a:r>
-            <a:endParaRPr lang="fr-FR" sz="2000" dirty="0"/>
-          </a:p>
-        </p:txBody>
-      </p:sp>
-      <p:sp>
-        <p:nvSpPr>
-          <p:cNvPr id="18" name="ZoneTexte 17">
-            <a:extLst>
-              <a:ext uri="{FF2B5EF4-FFF2-40B4-BE49-F238E27FC236}">
-                <a16:creationId xmlns:a16="http://schemas.microsoft.com/office/drawing/2014/main" id="{DA5D648E-1565-82E2-BDE3-3652383069B1}"/>
-              </a:ext>
-            </a:extLst>
-          </p:cNvPr>
-          <p:cNvSpPr txBox="1"/>
-          <p:nvPr/>
-        </p:nvSpPr>
-        <p:spPr>
-          <a:xfrm>
-            <a:off x="14623266" y="5983963"/>
-            <a:ext cx="3513071" cy="369332"/>
-          </a:xfrm>
-          <a:prstGeom prst="rect">
-            <a:avLst/>
-          </a:prstGeom>
-          <a:noFill/>
-        </p:spPr>
-        <p:txBody>
-          <a:bodyPr wrap="square" rtlCol="0">
-            <a:spAutoFit/>
-          </a:bodyPr>
-          <a:lstStyle/>
-          <a:p>
-            <a:r>
-              <a:rPr lang="en-US" dirty="0"/>
-              <a:t>3IIR Development Web </a:t>
-            </a:r>
-            <a:endParaRPr lang="fr-FR" dirty="0"/>
-          </a:p>
-        </p:txBody>
-      </p:sp>
-      <p:sp>
-        <p:nvSpPr>
-          <p:cNvPr id="19" name="ZoneTexte 18">
-            <a:extLst>
-              <a:ext uri="{FF2B5EF4-FFF2-40B4-BE49-F238E27FC236}">
-                <a16:creationId xmlns:a16="http://schemas.microsoft.com/office/drawing/2014/main" id="{97500153-4011-6F96-E96A-E756C9C60BCF}"/>
-              </a:ext>
-            </a:extLst>
-          </p:cNvPr>
-          <p:cNvSpPr txBox="1"/>
-          <p:nvPr/>
-        </p:nvSpPr>
-        <p:spPr>
-          <a:xfrm>
-            <a:off x="555774" y="607755"/>
-            <a:ext cx="3064212" cy="584775"/>
-          </a:xfrm>
-          <a:prstGeom prst="rect">
-            <a:avLst/>
-          </a:prstGeom>
-          <a:noFill/>
-        </p:spPr>
-        <p:txBody>
-          <a:bodyPr wrap="square" rtlCol="0">
-            <a:spAutoFit/>
-          </a:bodyPr>
-          <a:lstStyle/>
-          <a:p>
-            <a:r>
-              <a:rPr lang="en-US" sz="3200" dirty="0">
-                <a:solidFill>
-                  <a:srgbClr val="D9534F"/>
-                </a:solidFill>
-                <a:latin typeface="ADLaM Display" panose="02010000000000000000" pitchFamily="2" charset="0"/>
-                <a:ea typeface="ADLaM Display" panose="02010000000000000000" pitchFamily="2" charset="0"/>
-                <a:cs typeface="ADLaM Display" panose="02010000000000000000" pitchFamily="2" charset="0"/>
-              </a:rPr>
-              <a:t>Gusto &amp; Pane</a:t>
-            </a:r>
-            <a:endParaRPr lang="fr-FR" sz="2000" dirty="0">
-              <a:solidFill>
-                <a:srgbClr val="D9534F"/>
-              </a:solidFill>
-              <a:latin typeface="ADLaM Display" panose="02010000000000000000" pitchFamily="2" charset="0"/>
-              <a:ea typeface="ADLaM Display" panose="02010000000000000000" pitchFamily="2" charset="0"/>
-              <a:cs typeface="ADLaM Display" panose="02010000000000000000" pitchFamily="2" charset="0"/>
-            </a:endParaRPr>
-          </a:p>
-        </p:txBody>
-      </p:sp>
-      <p:sp>
-        <p:nvSpPr>
-          <p:cNvPr id="20" name="ZoneTexte 19">
-            <a:extLst>
-              <a:ext uri="{FF2B5EF4-FFF2-40B4-BE49-F238E27FC236}">
-                <a16:creationId xmlns:a16="http://schemas.microsoft.com/office/drawing/2014/main" id="{B1879F85-4075-CD24-6D2D-0CB74339F058}"/>
-              </a:ext>
-            </a:extLst>
-          </p:cNvPr>
-          <p:cNvSpPr txBox="1"/>
-          <p:nvPr/>
-        </p:nvSpPr>
-        <p:spPr>
-          <a:xfrm>
-            <a:off x="4230053" y="7609048"/>
-            <a:ext cx="3199933" cy="369332"/>
-          </a:xfrm>
-          <a:prstGeom prst="rect">
-            <a:avLst/>
-          </a:prstGeom>
-          <a:noFill/>
-        </p:spPr>
-        <p:txBody>
-          <a:bodyPr wrap="square" rtlCol="0">
-            <a:spAutoFit/>
-          </a:bodyPr>
-          <a:lstStyle/>
-          <a:p>
-            <a:r>
-              <a:rPr lang="en-US" dirty="0" err="1"/>
-              <a:t>Encadrent</a:t>
-            </a:r>
-            <a:r>
-              <a:rPr lang="en-US" dirty="0"/>
-              <a:t> : Houda </a:t>
-            </a:r>
-            <a:r>
-              <a:rPr lang="en-US" dirty="0" err="1"/>
-              <a:t>MoutTalib</a:t>
-            </a:r>
-            <a:r>
-              <a:rPr lang="en-US" dirty="0"/>
-              <a:t> </a:t>
-            </a:r>
-            <a:endParaRPr lang="fr-FR" dirty="0"/>
-          </a:p>
-        </p:txBody>
-      </p:sp>
-      <p:sp>
-        <p:nvSpPr>
-          <p:cNvPr id="2" name="Triangle rectangle 1">
-            <a:extLst>
-              <a:ext uri="{FF2B5EF4-FFF2-40B4-BE49-F238E27FC236}">
-                <a16:creationId xmlns:a16="http://schemas.microsoft.com/office/drawing/2014/main" id="{309658CD-8049-1D5E-1C4E-51D35E8DCCFB}"/>
-              </a:ext>
-            </a:extLst>
-          </p:cNvPr>
-          <p:cNvSpPr/>
-          <p:nvPr/>
-        </p:nvSpPr>
-        <p:spPr>
-          <a:xfrm rot="16200000">
-            <a:off x="7360920" y="2026920"/>
-            <a:ext cx="4373880" cy="5288280"/>
-          </a:xfrm>
-          <a:prstGeom prst="rtTriangle">
-            <a:avLst/>
-          </a:prstGeom>
-          <a:solidFill>
-            <a:srgbClr val="2E8B57"/>
-          </a:solidFill>
-          <a:ln>
-            <a:solidFill>
-              <a:srgbClr val="FFF8F2"/>
-            </a:solidFill>
-          </a:ln>
-        </p:spPr>
-        <p:style>
-          <a:lnRef idx="2">
-            <a:schemeClr val="accent1">
-              <a:shade val="15000"/>
-            </a:schemeClr>
-          </a:lnRef>
-          <a:fillRef idx="1">
-            <a:schemeClr val="accent1"/>
-          </a:fillRef>
-          <a:effectRef idx="0">
-            <a:schemeClr val="accent1"/>
-          </a:effectRef>
-          <a:fontRef idx="minor">
-            <a:schemeClr val="lt1"/>
-          </a:fontRef>
-        </p:style>
-        <p:txBody>
-          <a:bodyPr rtlCol="0" anchor="ctr"/>
-          <a:lstStyle/>
-          <a:p>
-            <a:pPr algn="ctr"/>
-            <a:endParaRPr lang="fr-FR"/>
-          </a:p>
-        </p:txBody>
-      </p:sp>
-      <p:sp>
-        <p:nvSpPr>
-          <p:cNvPr id="4" name="ZoneTexte 3">
-            <a:extLst>
-              <a:ext uri="{FF2B5EF4-FFF2-40B4-BE49-F238E27FC236}">
-                <a16:creationId xmlns:a16="http://schemas.microsoft.com/office/drawing/2014/main" id="{D5384153-F7B1-5969-B65F-3021DBC8159B}"/>
-              </a:ext>
-            </a:extLst>
-          </p:cNvPr>
-          <p:cNvSpPr txBox="1"/>
-          <p:nvPr/>
-        </p:nvSpPr>
-        <p:spPr>
-          <a:xfrm>
-            <a:off x="1478280" y="2753319"/>
-            <a:ext cx="7330440" cy="1477328"/>
-          </a:xfrm>
-          <a:prstGeom prst="rect">
-            <a:avLst/>
-          </a:prstGeom>
-          <a:noFill/>
-        </p:spPr>
-        <p:txBody>
-          <a:bodyPr wrap="square" rtlCol="0">
-            <a:spAutoFit/>
-          </a:bodyPr>
-          <a:lstStyle/>
-          <a:p>
-            <a:r>
-              <a:rPr lang="en-US" dirty="0"/>
-              <a:t>Amelioration possible :</a:t>
-            </a:r>
-            <a:br>
-              <a:rPr lang="en-US" dirty="0"/>
-            </a:br>
-            <a:br>
-              <a:rPr lang="en-US" dirty="0"/>
-            </a:br>
-            <a:r>
-              <a:rPr lang="en-US" dirty="0"/>
-              <a:t>	-</a:t>
-            </a:r>
-            <a:r>
-              <a:rPr lang="en-US" dirty="0" err="1"/>
-              <a:t>creer</a:t>
-            </a:r>
-            <a:r>
-              <a:rPr lang="en-US" dirty="0"/>
-              <a:t> </a:t>
-            </a:r>
-            <a:r>
-              <a:rPr lang="en-US" dirty="0" err="1"/>
-              <a:t>une</a:t>
-            </a:r>
-            <a:r>
-              <a:rPr lang="en-US" dirty="0"/>
-              <a:t> base donner est </a:t>
-            </a:r>
-            <a:r>
-              <a:rPr lang="en-US" dirty="0" err="1"/>
-              <a:t>l’utiliserr</a:t>
-            </a:r>
-            <a:r>
-              <a:rPr lang="en-US" dirty="0"/>
-              <a:t> pour </a:t>
-            </a:r>
-            <a:r>
-              <a:rPr lang="en-US" dirty="0" err="1"/>
-              <a:t>manipuler</a:t>
-            </a:r>
-            <a:r>
-              <a:rPr lang="en-US" dirty="0"/>
-              <a:t> </a:t>
-            </a:r>
-            <a:r>
-              <a:rPr lang="en-US" dirty="0" err="1"/>
-              <a:t>nos</a:t>
-            </a:r>
-            <a:r>
-              <a:rPr lang="en-US" dirty="0"/>
-              <a:t> donners</a:t>
-            </a:r>
-            <a:br>
-              <a:rPr lang="en-US" dirty="0"/>
-            </a:br>
-            <a:r>
-              <a:rPr lang="en-US" dirty="0"/>
-              <a:t>	-</a:t>
-            </a:r>
-            <a:r>
-              <a:rPr lang="en-US" dirty="0" err="1"/>
-              <a:t>creer</a:t>
-            </a:r>
-            <a:r>
-              <a:rPr lang="en-US" dirty="0"/>
-              <a:t> </a:t>
-            </a:r>
-            <a:r>
-              <a:rPr lang="en-US" dirty="0" err="1"/>
-              <a:t>une</a:t>
-            </a:r>
-            <a:r>
-              <a:rPr lang="en-US" dirty="0"/>
-              <a:t> page client </a:t>
-            </a:r>
-            <a:r>
-              <a:rPr lang="en-US" dirty="0" err="1"/>
-              <a:t>dont</a:t>
-            </a:r>
-            <a:r>
-              <a:rPr lang="en-US" dirty="0"/>
-              <a:t> on </a:t>
-            </a:r>
-            <a:r>
-              <a:rPr lang="en-US" dirty="0" err="1"/>
-              <a:t>peut</a:t>
-            </a:r>
-            <a:r>
-              <a:rPr lang="en-US" dirty="0"/>
-              <a:t> </a:t>
-            </a:r>
-            <a:r>
-              <a:rPr lang="en-US" dirty="0" err="1"/>
-              <a:t>reserver</a:t>
-            </a:r>
-            <a:r>
-              <a:rPr lang="en-US" dirty="0"/>
-              <a:t> </a:t>
-            </a:r>
-            <a:r>
-              <a:rPr lang="en-US" dirty="0" err="1"/>
-              <a:t>ou</a:t>
-            </a:r>
-            <a:r>
-              <a:rPr lang="en-US" dirty="0"/>
-              <a:t> commander des menu .  </a:t>
-            </a:r>
-            <a:endParaRPr lang="fr-FR" dirty="0"/>
-          </a:p>
-        </p:txBody>
-      </p:sp>
+        </p:spPr>
+      </p:pic>
     </p:spTree>
     <p:extLst>
       <p:ext uri="{BB962C8B-B14F-4D97-AF65-F5344CB8AC3E}">
-        <p14:creationId xmlns:p14="http://schemas.microsoft.com/office/powerpoint/2010/main" val="1912580703"/>
+        <p14:creationId xmlns:p14="http://schemas.microsoft.com/office/powerpoint/2010/main" val="2116090547"/>
       </p:ext>
     </p:extLst>
   </p:cSld>
